--- a/Tecnologia Javascript/NextJs.pptx
+++ b/Tecnologia Javascript/NextJs.pptx
@@ -5,7 +5,7 @@
     <p:sldMasterId id="2147483658" r:id="rId1"/>
   </p:sldMasterIdLst>
   <p:notesMasterIdLst>
-    <p:notesMasterId r:id="rId20"/>
+    <p:notesMasterId r:id="rId22"/>
   </p:notesMasterIdLst>
   <p:sldIdLst>
     <p:sldId id="262" r:id="rId2"/>
@@ -21,11 +21,13 @@
     <p:sldId id="306" r:id="rId12"/>
     <p:sldId id="307" r:id="rId13"/>
     <p:sldId id="308" r:id="rId14"/>
-    <p:sldId id="270" r:id="rId15"/>
-    <p:sldId id="312" r:id="rId16"/>
-    <p:sldId id="311" r:id="rId17"/>
-    <p:sldId id="288" r:id="rId18"/>
-    <p:sldId id="299" r:id="rId19"/>
+    <p:sldId id="313" r:id="rId15"/>
+    <p:sldId id="270" r:id="rId16"/>
+    <p:sldId id="314" r:id="rId17"/>
+    <p:sldId id="312" r:id="rId18"/>
+    <p:sldId id="311" r:id="rId19"/>
+    <p:sldId id="288" r:id="rId20"/>
+    <p:sldId id="299" r:id="rId21"/>
   </p:sldIdLst>
   <p:sldSz cx="6858000" cy="5143500"/>
   <p:notesSz cx="6858000" cy="9144000"/>
@@ -468,6 +470,11 @@
         </p:txBody>
       </p:sp>
     </p:spTree>
+    <p:extLst>
+      <p:ext uri="{BB962C8B-B14F-4D97-AF65-F5344CB8AC3E}">
+        <p14:creationId xmlns:p14="http://schemas.microsoft.com/office/powerpoint/2010/main" val="2445161070"/>
+      </p:ext>
+    </p:extLst>
   </p:cSld>
   <p:clrMap bg1="lt1" tx1="dk1" bg2="dk2" tx2="lt2" accent1="accent1" accent2="accent2" accent3="accent3" accent4="accent4" accent5="accent5" accent6="accent6" hlink="hlink" folHlink="folHlink"/>
   <p:notesStyle>
@@ -1247,6 +1254,115 @@
   <p:cSld>
     <p:spTree>
       <p:nvGrpSpPr>
+        <p:cNvPr id="1" name="Shape 238"/>
+        <p:cNvGrpSpPr/>
+        <p:nvPr/>
+      </p:nvGrpSpPr>
+      <p:grpSpPr>
+        <a:xfrm>
+          <a:off x="0" y="0"/>
+          <a:ext cx="0" cy="0"/>
+          <a:chOff x="0" y="0"/>
+          <a:chExt cx="0" cy="0"/>
+        </a:xfrm>
+      </p:grpSpPr>
+      <p:sp>
+        <p:nvSpPr>
+          <p:cNvPr id="239" name="Google Shape;239;p:notes"/>
+          <p:cNvSpPr>
+            <a:spLocks noGrp="1" noRot="1" noChangeAspect="1"/>
+          </p:cNvSpPr>
+          <p:nvPr>
+            <p:ph type="sldImg" idx="2"/>
+          </p:nvPr>
+        </p:nvSpPr>
+        <p:spPr>
+          <a:xfrm>
+            <a:off x="1143000" y="685800"/>
+            <a:ext cx="4572000" cy="3429000"/>
+          </a:xfrm>
+          <a:custGeom>
+            <a:avLst/>
+            <a:gdLst/>
+            <a:ahLst/>
+            <a:cxnLst/>
+            <a:rect l="l" t="t" r="r" b="b"/>
+            <a:pathLst>
+              <a:path w="120000" h="120000" extrusionOk="0">
+                <a:moveTo>
+                  <a:pt x="0" y="0"/>
+                </a:moveTo>
+                <a:lnTo>
+                  <a:pt x="120000" y="0"/>
+                </a:lnTo>
+                <a:lnTo>
+                  <a:pt x="120000" y="120000"/>
+                </a:lnTo>
+                <a:lnTo>
+                  <a:pt x="0" y="120000"/>
+                </a:lnTo>
+                <a:close/>
+              </a:path>
+            </a:pathLst>
+          </a:custGeom>
+        </p:spPr>
+      </p:sp>
+      <p:sp>
+        <p:nvSpPr>
+          <p:cNvPr id="240" name="Google Shape;240;p:notes"/>
+          <p:cNvSpPr txBox="1">
+            <a:spLocks noGrp="1"/>
+          </p:cNvSpPr>
+          <p:nvPr>
+            <p:ph type="body" idx="1"/>
+          </p:nvPr>
+        </p:nvSpPr>
+        <p:spPr>
+          <a:xfrm>
+            <a:off x="685800" y="4343400"/>
+            <a:ext cx="5486400" cy="4114800"/>
+          </a:xfrm>
+          <a:prstGeom prst="rect">
+            <a:avLst/>
+          </a:prstGeom>
+        </p:spPr>
+        <p:txBody>
+          <a:bodyPr spcFirstLastPara="1" wrap="square" lIns="91425" tIns="91425" rIns="91425" bIns="91425" anchor="t" anchorCtr="0">
+            <a:noAutofit/>
+          </a:bodyPr>
+          <a:lstStyle/>
+          <a:p>
+            <a:pPr marL="0" lvl="0" indent="0" algn="l" rtl="0">
+              <a:spcBef>
+                <a:spcPts val="0"/>
+              </a:spcBef>
+              <a:spcAft>
+                <a:spcPts val="0"/>
+              </a:spcAft>
+              <a:buNone/>
+            </a:pPr>
+            <a:endParaRPr/>
+          </a:p>
+        </p:txBody>
+      </p:sp>
+    </p:spTree>
+    <p:extLst>
+      <p:ext uri="{BB962C8B-B14F-4D97-AF65-F5344CB8AC3E}">
+        <p14:creationId xmlns:p14="http://schemas.microsoft.com/office/powerpoint/2010/main" val="1368995079"/>
+      </p:ext>
+    </p:extLst>
+  </p:cSld>
+  <p:clrMapOvr>
+    <a:masterClrMapping/>
+  </p:clrMapOvr>
+</p:notes>
+</file>
+
+<file path=ppt/notesSlides/notesSlide15.xml><?xml version="1.0" encoding="utf-8"?>
+<p:notes xmlns:a="http://schemas.openxmlformats.org/drawingml/2006/main" xmlns:r="http://schemas.openxmlformats.org/officeDocument/2006/relationships" xmlns:p="http://schemas.openxmlformats.org/presentationml/2006/main" showMasterSp="0" showMasterPhAnim="0">
+  <p:cSld>
+    <p:spTree>
+      <p:nvGrpSpPr>
         <p:cNvPr id="1" name="Shape 326"/>
         <p:cNvGrpSpPr/>
         <p:nvPr/>
@@ -1346,7 +1462,7 @@
 </p:notes>
 </file>
 
-<file path=ppt/notesSlides/notesSlide15.xml><?xml version="1.0" encoding="utf-8"?>
+<file path=ppt/notesSlides/notesSlide16.xml><?xml version="1.0" encoding="utf-8"?>
 <p:notes xmlns:a="http://schemas.openxmlformats.org/drawingml/2006/main" xmlns:r="http://schemas.openxmlformats.org/officeDocument/2006/relationships" xmlns:p="http://schemas.openxmlformats.org/presentationml/2006/main" showMasterSp="0" showMasterPhAnim="0">
   <p:cSld>
     <p:spTree>
@@ -1445,6 +1561,115 @@
     </p:spTree>
     <p:extLst>
       <p:ext uri="{BB962C8B-B14F-4D97-AF65-F5344CB8AC3E}">
+        <p14:creationId xmlns:p14="http://schemas.microsoft.com/office/powerpoint/2010/main" val="1368995079"/>
+      </p:ext>
+    </p:extLst>
+  </p:cSld>
+  <p:clrMapOvr>
+    <a:masterClrMapping/>
+  </p:clrMapOvr>
+</p:notes>
+</file>
+
+<file path=ppt/notesSlides/notesSlide17.xml><?xml version="1.0" encoding="utf-8"?>
+<p:notes xmlns:a="http://schemas.openxmlformats.org/drawingml/2006/main" xmlns:r="http://schemas.openxmlformats.org/officeDocument/2006/relationships" xmlns:p="http://schemas.openxmlformats.org/presentationml/2006/main" showMasterSp="0" showMasterPhAnim="0">
+  <p:cSld>
+    <p:spTree>
+      <p:nvGrpSpPr>
+        <p:cNvPr id="1" name="Shape 238"/>
+        <p:cNvGrpSpPr/>
+        <p:nvPr/>
+      </p:nvGrpSpPr>
+      <p:grpSpPr>
+        <a:xfrm>
+          <a:off x="0" y="0"/>
+          <a:ext cx="0" cy="0"/>
+          <a:chOff x="0" y="0"/>
+          <a:chExt cx="0" cy="0"/>
+        </a:xfrm>
+      </p:grpSpPr>
+      <p:sp>
+        <p:nvSpPr>
+          <p:cNvPr id="239" name="Google Shape;239;p:notes"/>
+          <p:cNvSpPr>
+            <a:spLocks noGrp="1" noRot="1" noChangeAspect="1"/>
+          </p:cNvSpPr>
+          <p:nvPr>
+            <p:ph type="sldImg" idx="2"/>
+          </p:nvPr>
+        </p:nvSpPr>
+        <p:spPr>
+          <a:xfrm>
+            <a:off x="1143000" y="685800"/>
+            <a:ext cx="4572000" cy="3429000"/>
+          </a:xfrm>
+          <a:custGeom>
+            <a:avLst/>
+            <a:gdLst/>
+            <a:ahLst/>
+            <a:cxnLst/>
+            <a:rect l="l" t="t" r="r" b="b"/>
+            <a:pathLst>
+              <a:path w="120000" h="120000" extrusionOk="0">
+                <a:moveTo>
+                  <a:pt x="0" y="0"/>
+                </a:moveTo>
+                <a:lnTo>
+                  <a:pt x="120000" y="0"/>
+                </a:lnTo>
+                <a:lnTo>
+                  <a:pt x="120000" y="120000"/>
+                </a:lnTo>
+                <a:lnTo>
+                  <a:pt x="0" y="120000"/>
+                </a:lnTo>
+                <a:close/>
+              </a:path>
+            </a:pathLst>
+          </a:custGeom>
+        </p:spPr>
+      </p:sp>
+      <p:sp>
+        <p:nvSpPr>
+          <p:cNvPr id="240" name="Google Shape;240;p:notes"/>
+          <p:cNvSpPr txBox="1">
+            <a:spLocks noGrp="1"/>
+          </p:cNvSpPr>
+          <p:nvPr>
+            <p:ph type="body" idx="1"/>
+          </p:nvPr>
+        </p:nvSpPr>
+        <p:spPr>
+          <a:xfrm>
+            <a:off x="685800" y="4343400"/>
+            <a:ext cx="5486400" cy="4114800"/>
+          </a:xfrm>
+          <a:prstGeom prst="rect">
+            <a:avLst/>
+          </a:prstGeom>
+        </p:spPr>
+        <p:txBody>
+          <a:bodyPr spcFirstLastPara="1" wrap="square" lIns="91425" tIns="91425" rIns="91425" bIns="91425" anchor="t" anchorCtr="0">
+            <a:noAutofit/>
+          </a:bodyPr>
+          <a:lstStyle/>
+          <a:p>
+            <a:pPr marL="0" lvl="0" indent="0" algn="l" rtl="0">
+              <a:spcBef>
+                <a:spcPts val="0"/>
+              </a:spcBef>
+              <a:spcAft>
+                <a:spcPts val="0"/>
+              </a:spcAft>
+              <a:buNone/>
+            </a:pPr>
+            <a:endParaRPr/>
+          </a:p>
+        </p:txBody>
+      </p:sp>
+    </p:spTree>
+    <p:extLst>
+      <p:ext uri="{BB962C8B-B14F-4D97-AF65-F5344CB8AC3E}">
         <p14:creationId xmlns:p14="http://schemas.microsoft.com/office/powerpoint/2010/main" val="3768789257"/>
       </p:ext>
     </p:extLst>
@@ -1455,7 +1680,7 @@
 </p:notes>
 </file>
 
-<file path=ppt/notesSlides/notesSlide16.xml><?xml version="1.0" encoding="utf-8"?>
+<file path=ppt/notesSlides/notesSlide18.xml><?xml version="1.0" encoding="utf-8"?>
 <p:notes xmlns:a="http://schemas.openxmlformats.org/drawingml/2006/main" xmlns:r="http://schemas.openxmlformats.org/officeDocument/2006/relationships" xmlns:p="http://schemas.openxmlformats.org/presentationml/2006/main" showMasterSp="0" showMasterPhAnim="0">
   <p:cSld>
     <p:spTree>
@@ -1564,7 +1789,7 @@
 </p:notes>
 </file>
 
-<file path=ppt/notesSlides/notesSlide17.xml><?xml version="1.0" encoding="utf-8"?>
+<file path=ppt/notesSlides/notesSlide19.xml><?xml version="1.0" encoding="utf-8"?>
 <p:notes xmlns:a="http://schemas.openxmlformats.org/drawingml/2006/main" xmlns:r="http://schemas.openxmlformats.org/officeDocument/2006/relationships" xmlns:p="http://schemas.openxmlformats.org/presentationml/2006/main" showMasterSp="0" showMasterPhAnim="0">
   <p:cSld>
     <p:spTree>
@@ -1661,115 +1886,6 @@
         </p:txBody>
       </p:sp>
     </p:spTree>
-  </p:cSld>
-  <p:clrMapOvr>
-    <a:masterClrMapping/>
-  </p:clrMapOvr>
-</p:notes>
-</file>
-
-<file path=ppt/notesSlides/notesSlide18.xml><?xml version="1.0" encoding="utf-8"?>
-<p:notes xmlns:a="http://schemas.openxmlformats.org/drawingml/2006/main" xmlns:r="http://schemas.openxmlformats.org/officeDocument/2006/relationships" xmlns:p="http://schemas.openxmlformats.org/presentationml/2006/main" showMasterSp="0" showMasterPhAnim="0">
-  <p:cSld>
-    <p:spTree>
-      <p:nvGrpSpPr>
-        <p:cNvPr id="1" name="Shape 203"/>
-        <p:cNvGrpSpPr/>
-        <p:nvPr/>
-      </p:nvGrpSpPr>
-      <p:grpSpPr>
-        <a:xfrm>
-          <a:off x="0" y="0"/>
-          <a:ext cx="0" cy="0"/>
-          <a:chOff x="0" y="0"/>
-          <a:chExt cx="0" cy="0"/>
-        </a:xfrm>
-      </p:grpSpPr>
-      <p:sp>
-        <p:nvSpPr>
-          <p:cNvPr id="204" name="Google Shape;204;g35f391192_00:notes"/>
-          <p:cNvSpPr>
-            <a:spLocks noGrp="1" noRot="1" noChangeAspect="1"/>
-          </p:cNvSpPr>
-          <p:nvPr>
-            <p:ph type="sldImg" idx="2"/>
-          </p:nvPr>
-        </p:nvSpPr>
-        <p:spPr>
-          <a:xfrm>
-            <a:off x="1143000" y="685800"/>
-            <a:ext cx="4572000" cy="3429000"/>
-          </a:xfrm>
-          <a:custGeom>
-            <a:avLst/>
-            <a:gdLst/>
-            <a:ahLst/>
-            <a:cxnLst/>
-            <a:rect l="l" t="t" r="r" b="b"/>
-            <a:pathLst>
-              <a:path w="120000" h="120000" extrusionOk="0">
-                <a:moveTo>
-                  <a:pt x="0" y="0"/>
-                </a:moveTo>
-                <a:lnTo>
-                  <a:pt x="120000" y="0"/>
-                </a:lnTo>
-                <a:lnTo>
-                  <a:pt x="120000" y="120000"/>
-                </a:lnTo>
-                <a:lnTo>
-                  <a:pt x="0" y="120000"/>
-                </a:lnTo>
-                <a:close/>
-              </a:path>
-            </a:pathLst>
-          </a:custGeom>
-        </p:spPr>
-      </p:sp>
-      <p:sp>
-        <p:nvSpPr>
-          <p:cNvPr id="205" name="Google Shape;205;g35f391192_00:notes"/>
-          <p:cNvSpPr txBox="1">
-            <a:spLocks noGrp="1"/>
-          </p:cNvSpPr>
-          <p:nvPr>
-            <p:ph type="body" idx="1"/>
-          </p:nvPr>
-        </p:nvSpPr>
-        <p:spPr>
-          <a:xfrm>
-            <a:off x="685800" y="4343400"/>
-            <a:ext cx="5486400" cy="4114800"/>
-          </a:xfrm>
-          <a:prstGeom prst="rect">
-            <a:avLst/>
-          </a:prstGeom>
-        </p:spPr>
-        <p:txBody>
-          <a:bodyPr spcFirstLastPara="1" wrap="square" lIns="91425" tIns="91425" rIns="91425" bIns="91425" anchor="t" anchorCtr="0">
-            <a:noAutofit/>
-          </a:bodyPr>
-          <a:lstStyle/>
-          <a:p>
-            <a:pPr marL="0" lvl="0" indent="0" algn="l" rtl="0">
-              <a:spcBef>
-                <a:spcPts val="0"/>
-              </a:spcBef>
-              <a:spcAft>
-                <a:spcPts val="0"/>
-              </a:spcAft>
-              <a:buNone/>
-            </a:pPr>
-            <a:endParaRPr/>
-          </a:p>
-        </p:txBody>
-      </p:sp>
-    </p:spTree>
-    <p:extLst>
-      <p:ext uri="{BB962C8B-B14F-4D97-AF65-F5344CB8AC3E}">
-        <p14:creationId xmlns:p14="http://schemas.microsoft.com/office/powerpoint/2010/main" val="1737699369"/>
-      </p:ext>
-    </p:extLst>
   </p:cSld>
   <p:clrMapOvr>
     <a:masterClrMapping/>
@@ -1874,6 +1990,115 @@
         </p:txBody>
       </p:sp>
     </p:spTree>
+  </p:cSld>
+  <p:clrMapOvr>
+    <a:masterClrMapping/>
+  </p:clrMapOvr>
+</p:notes>
+</file>
+
+<file path=ppt/notesSlides/notesSlide20.xml><?xml version="1.0" encoding="utf-8"?>
+<p:notes xmlns:a="http://schemas.openxmlformats.org/drawingml/2006/main" xmlns:r="http://schemas.openxmlformats.org/officeDocument/2006/relationships" xmlns:p="http://schemas.openxmlformats.org/presentationml/2006/main" showMasterSp="0" showMasterPhAnim="0">
+  <p:cSld>
+    <p:spTree>
+      <p:nvGrpSpPr>
+        <p:cNvPr id="1" name="Shape 203"/>
+        <p:cNvGrpSpPr/>
+        <p:nvPr/>
+      </p:nvGrpSpPr>
+      <p:grpSpPr>
+        <a:xfrm>
+          <a:off x="0" y="0"/>
+          <a:ext cx="0" cy="0"/>
+          <a:chOff x="0" y="0"/>
+          <a:chExt cx="0" cy="0"/>
+        </a:xfrm>
+      </p:grpSpPr>
+      <p:sp>
+        <p:nvSpPr>
+          <p:cNvPr id="204" name="Google Shape;204;g35f391192_00:notes"/>
+          <p:cNvSpPr>
+            <a:spLocks noGrp="1" noRot="1" noChangeAspect="1"/>
+          </p:cNvSpPr>
+          <p:nvPr>
+            <p:ph type="sldImg" idx="2"/>
+          </p:nvPr>
+        </p:nvSpPr>
+        <p:spPr>
+          <a:xfrm>
+            <a:off x="1143000" y="685800"/>
+            <a:ext cx="4572000" cy="3429000"/>
+          </a:xfrm>
+          <a:custGeom>
+            <a:avLst/>
+            <a:gdLst/>
+            <a:ahLst/>
+            <a:cxnLst/>
+            <a:rect l="l" t="t" r="r" b="b"/>
+            <a:pathLst>
+              <a:path w="120000" h="120000" extrusionOk="0">
+                <a:moveTo>
+                  <a:pt x="0" y="0"/>
+                </a:moveTo>
+                <a:lnTo>
+                  <a:pt x="120000" y="0"/>
+                </a:lnTo>
+                <a:lnTo>
+                  <a:pt x="120000" y="120000"/>
+                </a:lnTo>
+                <a:lnTo>
+                  <a:pt x="0" y="120000"/>
+                </a:lnTo>
+                <a:close/>
+              </a:path>
+            </a:pathLst>
+          </a:custGeom>
+        </p:spPr>
+      </p:sp>
+      <p:sp>
+        <p:nvSpPr>
+          <p:cNvPr id="205" name="Google Shape;205;g35f391192_00:notes"/>
+          <p:cNvSpPr txBox="1">
+            <a:spLocks noGrp="1"/>
+          </p:cNvSpPr>
+          <p:nvPr>
+            <p:ph type="body" idx="1"/>
+          </p:nvPr>
+        </p:nvSpPr>
+        <p:spPr>
+          <a:xfrm>
+            <a:off x="685800" y="4343400"/>
+            <a:ext cx="5486400" cy="4114800"/>
+          </a:xfrm>
+          <a:prstGeom prst="rect">
+            <a:avLst/>
+          </a:prstGeom>
+        </p:spPr>
+        <p:txBody>
+          <a:bodyPr spcFirstLastPara="1" wrap="square" lIns="91425" tIns="91425" rIns="91425" bIns="91425" anchor="t" anchorCtr="0">
+            <a:noAutofit/>
+          </a:bodyPr>
+          <a:lstStyle/>
+          <a:p>
+            <a:pPr marL="0" lvl="0" indent="0" algn="l" rtl="0">
+              <a:spcBef>
+                <a:spcPts val="0"/>
+              </a:spcBef>
+              <a:spcAft>
+                <a:spcPts val="0"/>
+              </a:spcAft>
+              <a:buNone/>
+            </a:pPr>
+            <a:endParaRPr/>
+          </a:p>
+        </p:txBody>
+      </p:sp>
+    </p:spTree>
+    <p:extLst>
+      <p:ext uri="{BB962C8B-B14F-4D97-AF65-F5344CB8AC3E}">
+        <p14:creationId xmlns:p14="http://schemas.microsoft.com/office/powerpoint/2010/main" val="1737699369"/>
+      </p:ext>
+    </p:extLst>
   </p:cSld>
   <p:clrMapOvr>
     <a:masterClrMapping/>
@@ -11507,7 +11732,7 @@
         </p:nvSpPr>
         <p:spPr>
           <a:xfrm>
-            <a:off x="1028799" y="2893334"/>
+            <a:off x="1028799" y="2299646"/>
             <a:ext cx="4653675" cy="869850"/>
           </a:xfrm>
           <a:prstGeom prst="rect">
@@ -11805,6 +12030,9 @@
                     <p:cTn id="3" fill="hold">
                       <p:stCondLst>
                         <p:cond delay="indefinite"/>
+                        <p:cond evt="onBegin" delay="0">
+                          <p:tn val="2"/>
+                        </p:cond>
                       </p:stCondLst>
                       <p:childTnLst>
                         <p:par>
@@ -11814,7 +12042,7 @@
                             </p:stCondLst>
                             <p:childTnLst>
                               <p:par>
-                                <p:cTn id="5" presetID="64" presetClass="path" presetSubtype="0" accel="50000" decel="50000" fill="hold" grpId="0" nodeType="clickEffect">
+                                <p:cTn id="5" presetID="64" presetClass="path" presetSubtype="0" accel="50000" decel="50000" fill="hold" grpId="0" nodeType="withEffect">
                                   <p:stCondLst>
                                     <p:cond delay="0"/>
                                   </p:stCondLst>
@@ -12399,7 +12627,7 @@
         </p:nvSpPr>
         <p:spPr>
           <a:xfrm>
-            <a:off x="1190062" y="173906"/>
+            <a:off x="1190060" y="0"/>
             <a:ext cx="4477875" cy="1102444"/>
           </a:xfrm>
           <a:prstGeom prst="rect">
@@ -12454,7 +12682,6 @@
               <a:rPr lang="pt-BR" dirty="0"/>
               <a:t>um dos seguintes comandos:</a:t>
             </a:r>
-            <a:endParaRPr lang="pt-BR" dirty="0"/>
           </a:p>
         </p:txBody>
       </p:sp>
@@ -12470,7 +12697,7 @@
         </p:nvSpPr>
         <p:spPr>
           <a:xfrm>
-            <a:off x="3223238" y="4205326"/>
+            <a:off x="3223235" y="4848300"/>
             <a:ext cx="411525" cy="295200"/>
           </a:xfrm>
           <a:prstGeom prst="rect">
@@ -12709,7 +12936,7 @@
         </p:nvSpPr>
         <p:spPr>
           <a:xfrm>
-            <a:off x="1190062" y="173906"/>
+            <a:off x="1190060" y="0"/>
             <a:ext cx="4477875" cy="1102444"/>
           </a:xfrm>
           <a:prstGeom prst="rect">
@@ -12742,7 +12969,7 @@
         </p:nvSpPr>
         <p:spPr>
           <a:xfrm>
-            <a:off x="3223238" y="4205326"/>
+            <a:off x="3223235" y="4848300"/>
             <a:ext cx="411525" cy="295200"/>
           </a:xfrm>
           <a:prstGeom prst="rect">
@@ -13043,7 +13270,7 @@
         </p:nvSpPr>
         <p:spPr>
           <a:xfrm>
-            <a:off x="1190062" y="173906"/>
+            <a:off x="1190062" y="0"/>
             <a:ext cx="4477875" cy="1102444"/>
           </a:xfrm>
           <a:prstGeom prst="rect">
@@ -13076,7 +13303,7 @@
         </p:nvSpPr>
         <p:spPr>
           <a:xfrm>
-            <a:off x="3223238" y="4205326"/>
+            <a:off x="3231189" y="4848300"/>
             <a:ext cx="411525" cy="295200"/>
           </a:xfrm>
           <a:prstGeom prst="rect">
@@ -13323,37 +13550,11 @@
           </a:p>
           <a:p>
             <a:r>
-              <a:rPr lang="pt-BR" dirty="0"/>
-              <a:t>E</a:t>
+              <a:rPr lang="pt-BR" dirty="0" smtClean="0"/>
+              <a:t>Visite o endereço </a:t>
             </a:r>
             <a:r>
-              <a:rPr lang="pt-BR" dirty="0" smtClean="0"/>
-              <a:t>strutura </a:t>
-            </a:r>
-            <a:r>
-              <a:rPr lang="pt-BR" dirty="0"/>
-              <a:t>do Next.js </a:t>
-            </a:r>
-            <a:r>
-              <a:rPr lang="pt-BR" dirty="0" smtClean="0"/>
-              <a:t>configurado.</a:t>
-            </a:r>
-          </a:p>
-          <a:p>
-            <a:r>
-              <a:rPr lang="pt-BR" dirty="0"/>
-              <a:t>V</a:t>
-            </a:r>
-            <a:r>
-              <a:rPr lang="pt-BR" dirty="0" smtClean="0"/>
-              <a:t>isite </a:t>
-            </a:r>
-            <a:r>
-              <a:rPr lang="pt-BR" dirty="0"/>
-              <a:t>o endereço </a:t>
-            </a:r>
-            <a:r>
-              <a:rPr lang="pt-BR" dirty="0">
+              <a:rPr lang="pt-BR" dirty="0" smtClean="0">
                 <a:solidFill>
                   <a:srgbClr val="00B050"/>
                 </a:solidFill>
@@ -13361,29 +13562,29 @@
               <a:t>`http://localhost:3000` </a:t>
             </a:r>
             <a:r>
+              <a:rPr lang="pt-BR" dirty="0" smtClean="0"/>
+              <a:t>no </a:t>
+            </a:r>
+            <a:r>
               <a:rPr lang="pt-BR" dirty="0"/>
-              <a:t>para ver a sua </a:t>
+              <a:t>browser </a:t>
             </a:r>
             <a:r>
               <a:rPr lang="pt-BR" dirty="0" smtClean="0"/>
-              <a:t>aplicação.</a:t>
+              <a:t>para </a:t>
+            </a:r>
+            <a:r>
+              <a:rPr lang="pt-BR" dirty="0" smtClean="0"/>
+              <a:t>ver a aplicação.</a:t>
             </a:r>
           </a:p>
           <a:p>
             <a:r>
-              <a:rPr lang="pt-BR" dirty="0"/>
-              <a:t>E</a:t>
+              <a:rPr lang="pt-BR" dirty="0" smtClean="0"/>
+              <a:t>Editar o conteúdo do arquivo </a:t>
             </a:r>
             <a:r>
-              <a:rPr lang="pt-BR" dirty="0" smtClean="0"/>
-              <a:t>ditar </a:t>
-            </a:r>
-            <a:r>
-              <a:rPr lang="pt-BR" dirty="0"/>
-              <a:t>o conteúdo do arquivo </a:t>
-            </a:r>
-            <a:r>
-              <a:rPr lang="pt-BR" dirty="0">
+              <a:rPr lang="pt-BR" dirty="0" smtClean="0">
                 <a:solidFill>
                   <a:srgbClr val="00B050"/>
                 </a:solidFill>
@@ -13391,7 +13592,7 @@
               <a:t>`</a:t>
             </a:r>
             <a:r>
-              <a:rPr lang="pt-BR" dirty="0" err="1">
+              <a:rPr lang="pt-BR" dirty="0" err="1" smtClean="0">
                 <a:solidFill>
                   <a:srgbClr val="00B050"/>
                 </a:solidFill>
@@ -13399,20 +13600,12 @@
               <a:t>pages</a:t>
             </a:r>
             <a:r>
-              <a:rPr lang="pt-BR" dirty="0">
-                <a:solidFill>
-                  <a:srgbClr val="00B050"/>
-                </a:solidFill>
-              </a:rPr>
-              <a:t>/index.js</a:t>
-            </a:r>
-            <a:r>
               <a:rPr lang="pt-BR" dirty="0" smtClean="0">
                 <a:solidFill>
                   <a:srgbClr val="00B050"/>
                 </a:solidFill>
               </a:rPr>
-              <a:t>`.</a:t>
+              <a:t>/index.js`.</a:t>
             </a:r>
             <a:endParaRPr lang="pt-BR" dirty="0">
               <a:solidFill>
@@ -13690,6 +13883,528 @@
                       </p:childTnLst>
                     </p:cTn>
                   </p:par>
+                </p:childTnLst>
+              </p:cTn>
+              <p:prevCondLst>
+                <p:cond evt="onPrev" delay="0">
+                  <p:tgtEl>
+                    <p:sldTgt/>
+                  </p:tgtEl>
+                </p:cond>
+              </p:prevCondLst>
+              <p:nextCondLst>
+                <p:cond evt="onNext" delay="0">
+                  <p:tgtEl>
+                    <p:sldTgt/>
+                  </p:tgtEl>
+                </p:cond>
+              </p:nextCondLst>
+            </p:seq>
+          </p:childTnLst>
+        </p:cTn>
+      </p:par>
+    </p:tnLst>
+    <p:bldLst>
+      <p:bldP spid="4" grpId="0" uiExpand="1" build="p"/>
+    </p:bldLst>
+  </p:timing>
+</p:sld>
+</file>
+
+<file path=ppt/slides/slide14.xml><?xml version="1.0" encoding="utf-8"?>
+<p:sld xmlns:a="http://schemas.openxmlformats.org/drawingml/2006/main" xmlns:r="http://schemas.openxmlformats.org/officeDocument/2006/relationships" xmlns:p="http://schemas.openxmlformats.org/presentationml/2006/main">
+  <p:cSld>
+    <p:spTree>
+      <p:nvGrpSpPr>
+        <p:cNvPr id="1" name="Shape 241"/>
+        <p:cNvGrpSpPr/>
+        <p:nvPr/>
+      </p:nvGrpSpPr>
+      <p:grpSpPr>
+        <a:xfrm>
+          <a:off x="0" y="0"/>
+          <a:ext cx="0" cy="0"/>
+          <a:chOff x="0" y="0"/>
+          <a:chExt cx="0" cy="0"/>
+        </a:xfrm>
+      </p:grpSpPr>
+      <p:sp>
+        <p:nvSpPr>
+          <p:cNvPr id="242" name="Google Shape;242;p17"/>
+          <p:cNvSpPr txBox="1">
+            <a:spLocks noGrp="1"/>
+          </p:cNvSpPr>
+          <p:nvPr>
+            <p:ph type="title"/>
+          </p:nvPr>
+        </p:nvSpPr>
+        <p:spPr>
+          <a:xfrm>
+            <a:off x="1166883" y="0"/>
+            <a:ext cx="4477875" cy="1102444"/>
+          </a:xfrm>
+          <a:prstGeom prst="rect">
+            <a:avLst/>
+          </a:prstGeom>
+        </p:spPr>
+        <p:txBody>
+          <a:bodyPr spcFirstLastPara="1" wrap="square" lIns="68569" tIns="68569" rIns="68569" bIns="68569" anchor="ctr" anchorCtr="0">
+            <a:noAutofit/>
+          </a:bodyPr>
+          <a:lstStyle/>
+          <a:p>
+            <a:pPr lvl="0"/>
+            <a:r>
+              <a:rPr lang="pt-BR" sz="3000" dirty="0"/>
+              <a:t>INICIALIZAÇÃO DA FERRAMENTA </a:t>
+            </a:r>
+          </a:p>
+        </p:txBody>
+      </p:sp>
+      <p:sp>
+        <p:nvSpPr>
+          <p:cNvPr id="244" name="Google Shape;244;p17"/>
+          <p:cNvSpPr txBox="1">
+            <a:spLocks noGrp="1"/>
+          </p:cNvSpPr>
+          <p:nvPr>
+            <p:ph type="sldNum" idx="12"/>
+          </p:nvPr>
+        </p:nvSpPr>
+        <p:spPr>
+          <a:xfrm>
+            <a:off x="3215287" y="4848300"/>
+            <a:ext cx="411525" cy="295200"/>
+          </a:xfrm>
+          <a:prstGeom prst="rect">
+            <a:avLst/>
+          </a:prstGeom>
+        </p:spPr>
+        <p:txBody>
+          <a:bodyPr spcFirstLastPara="1" wrap="square" lIns="68569" tIns="68569" rIns="68569" bIns="68569" anchor="t" anchorCtr="0">
+            <a:noAutofit/>
+          </a:bodyPr>
+          <a:lstStyle/>
+          <a:p>
+            <a:fld id="{00000000-1234-1234-1234-123412341234}" type="slidenum">
+              <a:rPr lang="en"/>
+              <a:pPr/>
+              <a:t>14</a:t>
+            </a:fld>
+            <a:endParaRPr dirty="0"/>
+          </a:p>
+        </p:txBody>
+      </p:sp>
+      <p:pic>
+        <p:nvPicPr>
+          <p:cNvPr id="6" name="Imagem 5"/>
+          <p:cNvPicPr/>
+          <p:nvPr/>
+        </p:nvPicPr>
+        <p:blipFill>
+          <a:blip r:embed="rId3">
+            <a:extLst>
+              <a:ext uri="{28A0092B-C50C-407E-A947-70E740481C1C}">
+                <a14:useLocalDpi xmlns:a14="http://schemas.microsoft.com/office/drawing/2010/main" val="0"/>
+              </a:ext>
+            </a:extLst>
+          </a:blip>
+          <a:stretch>
+            <a:fillRect/>
+          </a:stretch>
+        </p:blipFill>
+        <p:spPr>
+          <a:xfrm>
+            <a:off x="1675210" y="1667858"/>
+            <a:ext cx="1136898" cy="3081276"/>
+          </a:xfrm>
+          <a:prstGeom prst="rect">
+            <a:avLst/>
+          </a:prstGeom>
+        </p:spPr>
+      </p:pic>
+      <p:sp>
+        <p:nvSpPr>
+          <p:cNvPr id="4" name="Espaço Reservado para Texto 3"/>
+          <p:cNvSpPr>
+            <a:spLocks noGrp="1"/>
+          </p:cNvSpPr>
+          <p:nvPr>
+            <p:ph type="body" idx="1"/>
+          </p:nvPr>
+        </p:nvSpPr>
+        <p:spPr>
+          <a:xfrm>
+            <a:off x="621042" y="1091857"/>
+            <a:ext cx="5555250" cy="3514500"/>
+          </a:xfrm>
+        </p:spPr>
+        <p:txBody>
+          <a:bodyPr/>
+          <a:lstStyle/>
+          <a:p>
+            <a:r>
+              <a:rPr lang="pt-BR" dirty="0"/>
+              <a:t>Estrutura do Next.js configurado.</a:t>
+            </a:r>
+          </a:p>
+          <a:p>
+            <a:endParaRPr lang="pt-BR" dirty="0"/>
+          </a:p>
+        </p:txBody>
+      </p:sp>
+      <p:pic>
+        <p:nvPicPr>
+          <p:cNvPr id="7" name="Imagem 6"/>
+          <p:cNvPicPr/>
+          <p:nvPr/>
+        </p:nvPicPr>
+        <p:blipFill>
+          <a:blip r:embed="rId4">
+            <a:extLst>
+              <a:ext uri="{28A0092B-C50C-407E-A947-70E740481C1C}">
+                <a14:useLocalDpi xmlns:a14="http://schemas.microsoft.com/office/drawing/2010/main" val="0"/>
+              </a:ext>
+            </a:extLst>
+          </a:blip>
+          <a:stretch>
+            <a:fillRect/>
+          </a:stretch>
+        </p:blipFill>
+        <p:spPr>
+          <a:xfrm>
+            <a:off x="3982821" y="1667858"/>
+            <a:ext cx="1257191" cy="3081276"/>
+          </a:xfrm>
+          <a:prstGeom prst="rect">
+            <a:avLst/>
+          </a:prstGeom>
+        </p:spPr>
+      </p:pic>
+      <p:sp>
+        <p:nvSpPr>
+          <p:cNvPr id="2" name="Seta para a direita 1"/>
+          <p:cNvSpPr/>
+          <p:nvPr/>
+        </p:nvSpPr>
+        <p:spPr>
+          <a:xfrm>
+            <a:off x="750626" y="1898453"/>
+            <a:ext cx="832514" cy="461193"/>
+          </a:xfrm>
+          <a:prstGeom prst="rightArrow">
+            <a:avLst/>
+          </a:prstGeom>
+        </p:spPr>
+        <p:style>
+          <a:lnRef idx="2">
+            <a:schemeClr val="accent1">
+              <a:shade val="50000"/>
+            </a:schemeClr>
+          </a:lnRef>
+          <a:fillRef idx="1">
+            <a:schemeClr val="accent1"/>
+          </a:fillRef>
+          <a:effectRef idx="0">
+            <a:schemeClr val="accent1"/>
+          </a:effectRef>
+          <a:fontRef idx="minor">
+            <a:schemeClr val="lt1"/>
+          </a:fontRef>
+        </p:style>
+        <p:txBody>
+          <a:bodyPr rtlCol="0" anchor="ctr"/>
+          <a:lstStyle/>
+          <a:p>
+            <a:pPr algn="ctr"/>
+            <a:endParaRPr lang="pt-BR"/>
+          </a:p>
+        </p:txBody>
+      </p:sp>
+      <p:sp>
+        <p:nvSpPr>
+          <p:cNvPr id="8" name="Seta para a direita 7"/>
+          <p:cNvSpPr/>
+          <p:nvPr/>
+        </p:nvSpPr>
+        <p:spPr>
+          <a:xfrm>
+            <a:off x="3102539" y="2048578"/>
+            <a:ext cx="832514" cy="461193"/>
+          </a:xfrm>
+          <a:prstGeom prst="rightArrow">
+            <a:avLst/>
+          </a:prstGeom>
+        </p:spPr>
+        <p:style>
+          <a:lnRef idx="2">
+            <a:schemeClr val="accent1">
+              <a:shade val="50000"/>
+            </a:schemeClr>
+          </a:lnRef>
+          <a:fillRef idx="1">
+            <a:schemeClr val="accent1"/>
+          </a:fillRef>
+          <a:effectRef idx="0">
+            <a:schemeClr val="accent1"/>
+          </a:effectRef>
+          <a:fontRef idx="minor">
+            <a:schemeClr val="lt1"/>
+          </a:fontRef>
+        </p:style>
+        <p:txBody>
+          <a:bodyPr rtlCol="0" anchor="ctr"/>
+          <a:lstStyle/>
+          <a:p>
+            <a:pPr algn="ctr"/>
+            <a:endParaRPr lang="pt-BR"/>
+          </a:p>
+        </p:txBody>
+      </p:sp>
+    </p:spTree>
+    <p:extLst>
+      <p:ext uri="{BB962C8B-B14F-4D97-AF65-F5344CB8AC3E}">
+        <p14:creationId xmlns:p14="http://schemas.microsoft.com/office/powerpoint/2010/main" val="162960000"/>
+      </p:ext>
+    </p:extLst>
+  </p:cSld>
+  <p:clrMapOvr>
+    <a:masterClrMapping/>
+  </p:clrMapOvr>
+  <p:transition spd="slow">
+    <p:wipe dir="d"/>
+  </p:transition>
+  <p:timing>
+    <p:tnLst>
+      <p:par>
+        <p:cTn id="1" dur="indefinite" restart="never" nodeType="tmRoot">
+          <p:childTnLst>
+            <p:seq concurrent="1" nextAc="seek">
+              <p:cTn id="2" dur="indefinite" nodeType="mainSeq">
+                <p:childTnLst>
+                  <p:par>
+                    <p:cTn id="3" fill="hold">
+                      <p:stCondLst>
+                        <p:cond delay="indefinite"/>
+                        <p:cond evt="onBegin" delay="0">
+                          <p:tn val="2"/>
+                        </p:cond>
+                      </p:stCondLst>
+                      <p:childTnLst>
+                        <p:par>
+                          <p:cTn id="4" fill="hold">
+                            <p:stCondLst>
+                              <p:cond delay="0"/>
+                            </p:stCondLst>
+                            <p:childTnLst>
+                              <p:par>
+                                <p:cTn id="5" presetID="10" presetClass="entr" presetSubtype="0" fill="hold" grpId="0" nodeType="afterEffect">
+                                  <p:stCondLst>
+                                    <p:cond delay="0"/>
+                                  </p:stCondLst>
+                                  <p:childTnLst>
+                                    <p:set>
+                                      <p:cBhvr>
+                                        <p:cTn id="6" dur="1" fill="hold">
+                                          <p:stCondLst>
+                                            <p:cond delay="0"/>
+                                          </p:stCondLst>
+                                        </p:cTn>
+                                        <p:tgtEl>
+                                          <p:spTgt spid="4">
+                                            <p:txEl>
+                                              <p:pRg st="0" end="0"/>
+                                            </p:txEl>
+                                          </p:spTgt>
+                                        </p:tgtEl>
+                                        <p:attrNameLst>
+                                          <p:attrName>style.visibility</p:attrName>
+                                        </p:attrNameLst>
+                                      </p:cBhvr>
+                                      <p:to>
+                                        <p:strVal val="visible"/>
+                                      </p:to>
+                                    </p:set>
+                                    <p:animEffect transition="in" filter="fade">
+                                      <p:cBhvr>
+                                        <p:cTn id="7" dur="500"/>
+                                        <p:tgtEl>
+                                          <p:spTgt spid="4">
+                                            <p:txEl>
+                                              <p:pRg st="0" end="0"/>
+                                            </p:txEl>
+                                          </p:spTgt>
+                                        </p:tgtEl>
+                                      </p:cBhvr>
+                                    </p:animEffect>
+                                  </p:childTnLst>
+                                </p:cTn>
+                              </p:par>
+                            </p:childTnLst>
+                          </p:cTn>
+                        </p:par>
+                      </p:childTnLst>
+                    </p:cTn>
+                  </p:par>
+                  <p:par>
+                    <p:cTn id="8" fill="hold">
+                      <p:stCondLst>
+                        <p:cond delay="indefinite"/>
+                      </p:stCondLst>
+                      <p:childTnLst>
+                        <p:par>
+                          <p:cTn id="9" fill="hold">
+                            <p:stCondLst>
+                              <p:cond delay="0"/>
+                            </p:stCondLst>
+                            <p:childTnLst>
+                              <p:par>
+                                <p:cTn id="10" presetID="10" presetClass="entr" presetSubtype="0" fill="hold" nodeType="clickEffect">
+                                  <p:stCondLst>
+                                    <p:cond delay="0"/>
+                                  </p:stCondLst>
+                                  <p:childTnLst>
+                                    <p:set>
+                                      <p:cBhvr>
+                                        <p:cTn id="11" dur="1" fill="hold">
+                                          <p:stCondLst>
+                                            <p:cond delay="0"/>
+                                          </p:stCondLst>
+                                        </p:cTn>
+                                        <p:tgtEl>
+                                          <p:spTgt spid="6"/>
+                                        </p:tgtEl>
+                                        <p:attrNameLst>
+                                          <p:attrName>style.visibility</p:attrName>
+                                        </p:attrNameLst>
+                                      </p:cBhvr>
+                                      <p:to>
+                                        <p:strVal val="visible"/>
+                                      </p:to>
+                                    </p:set>
+                                    <p:animEffect transition="in" filter="fade">
+                                      <p:cBhvr>
+                                        <p:cTn id="12" dur="500"/>
+                                        <p:tgtEl>
+                                          <p:spTgt spid="6"/>
+                                        </p:tgtEl>
+                                      </p:cBhvr>
+                                    </p:animEffect>
+                                  </p:childTnLst>
+                                </p:cTn>
+                              </p:par>
+                            </p:childTnLst>
+                          </p:cTn>
+                        </p:par>
+                      </p:childTnLst>
+                    </p:cTn>
+                  </p:par>
+                  <p:par>
+                    <p:cTn id="13" fill="hold">
+                      <p:stCondLst>
+                        <p:cond delay="indefinite"/>
+                      </p:stCondLst>
+                      <p:childTnLst>
+                        <p:par>
+                          <p:cTn id="14" fill="hold">
+                            <p:stCondLst>
+                              <p:cond delay="0"/>
+                            </p:stCondLst>
+                            <p:childTnLst>
+                              <p:par>
+                                <p:cTn id="15" presetID="10" presetClass="entr" presetSubtype="0" fill="hold" nodeType="clickEffect">
+                                  <p:stCondLst>
+                                    <p:cond delay="0"/>
+                                  </p:stCondLst>
+                                  <p:childTnLst>
+                                    <p:set>
+                                      <p:cBhvr>
+                                        <p:cTn id="16" dur="1" fill="hold">
+                                          <p:stCondLst>
+                                            <p:cond delay="0"/>
+                                          </p:stCondLst>
+                                        </p:cTn>
+                                        <p:tgtEl>
+                                          <p:spTgt spid="7"/>
+                                        </p:tgtEl>
+                                        <p:attrNameLst>
+                                          <p:attrName>style.visibility</p:attrName>
+                                        </p:attrNameLst>
+                                      </p:cBhvr>
+                                      <p:to>
+                                        <p:strVal val="visible"/>
+                                      </p:to>
+                                    </p:set>
+                                    <p:animEffect transition="in" filter="fade">
+                                      <p:cBhvr>
+                                        <p:cTn id="17" dur="500"/>
+                                        <p:tgtEl>
+                                          <p:spTgt spid="7"/>
+                                        </p:tgtEl>
+                                      </p:cBhvr>
+                                    </p:animEffect>
+                                  </p:childTnLst>
+                                </p:cTn>
+                              </p:par>
+                            </p:childTnLst>
+                          </p:cTn>
+                        </p:par>
+                      </p:childTnLst>
+                    </p:cTn>
+                  </p:par>
+                  <p:par>
+                    <p:cTn id="18" fill="hold">
+                      <p:stCondLst>
+                        <p:cond delay="indefinite"/>
+                      </p:stCondLst>
+                      <p:childTnLst>
+                        <p:par>
+                          <p:cTn id="19" fill="hold">
+                            <p:stCondLst>
+                              <p:cond delay="0"/>
+                            </p:stCondLst>
+                            <p:childTnLst>
+                              <p:par>
+                                <p:cTn id="20" presetID="10" presetClass="entr" presetSubtype="0" fill="hold" grpId="0" nodeType="clickEffect">
+                                  <p:stCondLst>
+                                    <p:cond delay="0"/>
+                                  </p:stCondLst>
+                                  <p:childTnLst>
+                                    <p:set>
+                                      <p:cBhvr>
+                                        <p:cTn id="21" dur="1" fill="hold">
+                                          <p:stCondLst>
+                                            <p:cond delay="0"/>
+                                          </p:stCondLst>
+                                        </p:cTn>
+                                        <p:tgtEl>
+                                          <p:spTgt spid="2"/>
+                                        </p:tgtEl>
+                                        <p:attrNameLst>
+                                          <p:attrName>style.visibility</p:attrName>
+                                        </p:attrNameLst>
+                                      </p:cBhvr>
+                                      <p:to>
+                                        <p:strVal val="visible"/>
+                                      </p:to>
+                                    </p:set>
+                                    <p:animEffect transition="in" filter="fade">
+                                      <p:cBhvr>
+                                        <p:cTn id="22" dur="500"/>
+                                        <p:tgtEl>
+                                          <p:spTgt spid="2"/>
+                                        </p:tgtEl>
+                                      </p:cBhvr>
+                                    </p:animEffect>
+                                  </p:childTnLst>
+                                </p:cTn>
+                              </p:par>
+                            </p:childTnLst>
+                          </p:cTn>
+                        </p:par>
+                      </p:childTnLst>
+                    </p:cTn>
+                  </p:par>
                   <p:par>
                     <p:cTn id="23" fill="hold">
                       <p:stCondLst>
@@ -13716,11 +14431,7 @@
                                           </p:stCondLst>
                                         </p:cTn>
                                         <p:tgtEl>
-                                          <p:spTgt spid="4">
-                                            <p:txEl>
-                                              <p:pRg st="4" end="4"/>
-                                            </p:txEl>
-                                          </p:spTgt>
+                                          <p:spTgt spid="8"/>
                                         </p:tgtEl>
                                         <p:attrNameLst>
                                           <p:attrName>style.visibility</p:attrName>
@@ -13734,11 +14445,7 @@
                                       <p:cBhvr>
                                         <p:cTn id="27" dur="500"/>
                                         <p:tgtEl>
-                                          <p:spTgt spid="4">
-                                            <p:txEl>
-                                              <p:pRg st="4" end="4"/>
-                                            </p:txEl>
-                                          </p:spTgt>
+                                          <p:spTgt spid="8"/>
                                         </p:tgtEl>
                                       </p:cBhvr>
                                     </p:animEffect>
@@ -13773,13 +14480,15 @@
       </p:par>
     </p:tnLst>
     <p:bldLst>
-      <p:bldP spid="4" grpId="0" uiExpand="1" build="p"/>
+      <p:bldP spid="4" grpId="0" build="p"/>
+      <p:bldP spid="2" grpId="0" animBg="1"/>
+      <p:bldP spid="8" grpId="0" animBg="1"/>
     </p:bldLst>
   </p:timing>
 </p:sld>
 </file>
 
-<file path=ppt/slides/slide14.xml><?xml version="1.0" encoding="utf-8"?>
+<file path=ppt/slides/slide15.xml><?xml version="1.0" encoding="utf-8"?>
 <p:sld xmlns:a="http://schemas.openxmlformats.org/drawingml/2006/main" xmlns:r="http://schemas.openxmlformats.org/officeDocument/2006/relationships" xmlns:p="http://schemas.openxmlformats.org/presentationml/2006/main">
   <p:cSld>
     <p:spTree>
@@ -13909,7 +14618,7 @@
         </p:nvSpPr>
         <p:spPr>
           <a:xfrm>
-            <a:off x="3223238" y="4205326"/>
+            <a:off x="3223238" y="4848300"/>
             <a:ext cx="411525" cy="295200"/>
           </a:xfrm>
           <a:prstGeom prst="rect">
@@ -13925,9 +14634,9 @@
             <a:fld id="{00000000-1234-1234-1234-123412341234}" type="slidenum">
               <a:rPr lang="en"/>
               <a:pPr/>
-              <a:t>14</a:t>
+              <a:t>15</a:t>
             </a:fld>
-            <a:endParaRPr/>
+            <a:endParaRPr dirty="0"/>
           </a:p>
         </p:txBody>
       </p:sp>
@@ -13976,6 +14685,59 @@
                                           </p:stCondLst>
                                         </p:cTn>
                                         <p:tgtEl>
+                                          <p:spTgt spid="330"/>
+                                        </p:tgtEl>
+                                        <p:attrNameLst>
+                                          <p:attrName>style.visibility</p:attrName>
+                                        </p:attrNameLst>
+                                      </p:cBhvr>
+                                      <p:to>
+                                        <p:strVal val="visible"/>
+                                      </p:to>
+                                    </p:set>
+                                    <p:animEffect transition="in" filter="fade">
+                                      <p:cBhvr>
+                                        <p:cTn id="7" dur="500"/>
+                                        <p:tgtEl>
+                                          <p:spTgt spid="330"/>
+                                        </p:tgtEl>
+                                      </p:cBhvr>
+                                    </p:animEffect>
+                                  </p:childTnLst>
+                                </p:cTn>
+                              </p:par>
+                            </p:childTnLst>
+                          </p:cTn>
+                        </p:par>
+                      </p:childTnLst>
+                    </p:cTn>
+                  </p:par>
+                  <p:par>
+                    <p:cTn id="8" fill="hold">
+                      <p:stCondLst>
+                        <p:cond delay="indefinite"/>
+                      </p:stCondLst>
+                      <p:childTnLst>
+                        <p:par>
+                          <p:cTn id="9" fill="hold">
+                            <p:stCondLst>
+                              <p:cond delay="0"/>
+                            </p:stCondLst>
+                            <p:childTnLst>
+                              <p:par>
+                                <p:cTn id="10" presetID="10" presetClass="entr" presetSubtype="0" fill="hold" grpId="0" nodeType="clickEffect">
+                                  <p:stCondLst>
+                                    <p:cond delay="0"/>
+                                  </p:stCondLst>
+                                  <p:childTnLst>
+                                    <p:set>
+                                      <p:cBhvr>
+                                        <p:cTn id="11" dur="1" fill="hold">
+                                          <p:stCondLst>
+                                            <p:cond delay="0"/>
+                                          </p:stCondLst>
+                                        </p:cTn>
+                                        <p:tgtEl>
                                           <p:spTgt spid="331">
                                             <p:txEl>
                                               <p:pRg st="0" end="0"/>
@@ -13992,7 +14754,7 @@
                                     </p:set>
                                     <p:animEffect transition="in" filter="fade">
                                       <p:cBhvr>
-                                        <p:cTn id="7" dur="500"/>
+                                        <p:cTn id="12" dur="500"/>
                                         <p:tgtEl>
                                           <p:spTgt spid="331">
                                             <p:txEl>
@@ -14033,13 +14795,14 @@
       </p:par>
     </p:tnLst>
     <p:bldLst>
+      <p:bldP spid="330" grpId="0"/>
       <p:bldP spid="331" grpId="0" build="p"/>
     </p:bldLst>
   </p:timing>
 </p:sld>
 </file>
 
-<file path=ppt/slides/slide15.xml><?xml version="1.0" encoding="utf-8"?>
+<file path=ppt/slides/slide16.xml><?xml version="1.0" encoding="utf-8"?>
 <p:sld xmlns:a="http://schemas.openxmlformats.org/drawingml/2006/main" xmlns:r="http://schemas.openxmlformats.org/officeDocument/2006/relationships" xmlns:p="http://schemas.openxmlformats.org/presentationml/2006/main">
   <p:cSld>
     <p:spTree>
@@ -14068,7 +14831,358 @@
         </p:nvSpPr>
         <p:spPr>
           <a:xfrm>
-            <a:off x="1190062" y="405922"/>
+            <a:off x="1190071" y="0"/>
+            <a:ext cx="4477875" cy="1102444"/>
+          </a:xfrm>
+          <a:prstGeom prst="rect">
+            <a:avLst/>
+          </a:prstGeom>
+        </p:spPr>
+        <p:txBody>
+          <a:bodyPr spcFirstLastPara="1" wrap="square" lIns="68569" tIns="68569" rIns="68569" bIns="68569" anchor="ctr" anchorCtr="0">
+            <a:noAutofit/>
+          </a:bodyPr>
+          <a:lstStyle/>
+          <a:p>
+            <a:pPr lvl="0"/>
+            <a:r>
+              <a:rPr lang="pt-BR" sz="4400" dirty="0"/>
+              <a:t>2,612,398</a:t>
+            </a:r>
+            <a:endParaRPr lang="pt-BR" sz="4400" dirty="0"/>
+          </a:p>
+        </p:txBody>
+      </p:sp>
+      <p:sp>
+        <p:nvSpPr>
+          <p:cNvPr id="244" name="Google Shape;244;p17"/>
+          <p:cNvSpPr txBox="1">
+            <a:spLocks noGrp="1"/>
+          </p:cNvSpPr>
+          <p:nvPr>
+            <p:ph type="sldNum" idx="12"/>
+          </p:nvPr>
+        </p:nvSpPr>
+        <p:spPr>
+          <a:xfrm>
+            <a:off x="3215287" y="4848300"/>
+            <a:ext cx="411525" cy="295200"/>
+          </a:xfrm>
+          <a:prstGeom prst="rect">
+            <a:avLst/>
+          </a:prstGeom>
+        </p:spPr>
+        <p:txBody>
+          <a:bodyPr spcFirstLastPara="1" wrap="square" lIns="68569" tIns="68569" rIns="68569" bIns="68569" anchor="t" anchorCtr="0">
+            <a:noAutofit/>
+          </a:bodyPr>
+          <a:lstStyle/>
+          <a:p>
+            <a:fld id="{00000000-1234-1234-1234-123412341234}" type="slidenum">
+              <a:rPr lang="en"/>
+              <a:pPr/>
+              <a:t>16</a:t>
+            </a:fld>
+            <a:endParaRPr dirty="0"/>
+          </a:p>
+        </p:txBody>
+      </p:sp>
+      <p:sp>
+        <p:nvSpPr>
+          <p:cNvPr id="4" name="Espaço Reservado para Texto 3"/>
+          <p:cNvSpPr>
+            <a:spLocks noGrp="1"/>
+          </p:cNvSpPr>
+          <p:nvPr>
+            <p:ph type="body" idx="1"/>
+          </p:nvPr>
+        </p:nvSpPr>
+        <p:spPr>
+          <a:xfrm>
+            <a:off x="621042" y="1091857"/>
+            <a:ext cx="5555250" cy="3514500"/>
+          </a:xfrm>
+        </p:spPr>
+        <p:txBody>
+          <a:bodyPr/>
+          <a:lstStyle/>
+          <a:p>
+            <a:r>
+              <a:rPr lang="pt-BR" dirty="0"/>
+              <a:t>Downloads registrados na NPM </a:t>
+            </a:r>
+            <a:r>
+              <a:rPr lang="pt-BR" dirty="0" err="1" smtClean="0"/>
+              <a:t>Trends</a:t>
+            </a:r>
+            <a:r>
+              <a:rPr lang="pt-BR" dirty="0"/>
+              <a:t>.</a:t>
+            </a:r>
+            <a:endParaRPr lang="pt-BR" dirty="0"/>
+          </a:p>
+        </p:txBody>
+      </p:sp>
+      <p:pic>
+        <p:nvPicPr>
+          <p:cNvPr id="2050" name="Picture 2"/>
+          <p:cNvPicPr>
+            <a:picLocks noChangeAspect="1" noChangeArrowheads="1"/>
+          </p:cNvPicPr>
+          <p:nvPr/>
+        </p:nvPicPr>
+        <p:blipFill>
+          <a:blip r:embed="rId3">
+            <a:extLst>
+              <a:ext uri="{28A0092B-C50C-407E-A947-70E740481C1C}">
+                <a14:useLocalDpi xmlns:a14="http://schemas.microsoft.com/office/drawing/2010/main" val="0"/>
+              </a:ext>
+            </a:extLst>
+          </a:blip>
+          <a:srcRect/>
+          <a:stretch>
+            <a:fillRect/>
+          </a:stretch>
+        </p:blipFill>
+        <p:spPr bwMode="auto">
+          <a:xfrm>
+            <a:off x="850614" y="1586792"/>
+            <a:ext cx="5156791" cy="3240390"/>
+          </a:xfrm>
+          <a:prstGeom prst="rect">
+            <a:avLst/>
+          </a:prstGeom>
+          <a:noFill/>
+          <a:ln>
+            <a:noFill/>
+          </a:ln>
+          <a:effectLst/>
+          <a:extLst>
+            <a:ext uri="{909E8E84-426E-40DD-AFC4-6F175D3DCCD1}">
+              <a14:hiddenFill xmlns:a14="http://schemas.microsoft.com/office/drawing/2010/main">
+                <a:solidFill>
+                  <a:schemeClr val="accent1"/>
+                </a:solidFill>
+              </a14:hiddenFill>
+            </a:ext>
+            <a:ext uri="{91240B29-F687-4F45-9708-019B960494DF}">
+              <a14:hiddenLine xmlns:a14="http://schemas.microsoft.com/office/drawing/2010/main" w="9525">
+                <a:solidFill>
+                  <a:schemeClr val="tx1"/>
+                </a:solidFill>
+                <a:miter lim="800000"/>
+                <a:headEnd/>
+                <a:tailEnd/>
+              </a14:hiddenLine>
+            </a:ext>
+            <a:ext uri="{AF507438-7753-43E0-B8FC-AC1667EBCBE1}">
+              <a14:hiddenEffects xmlns:a14="http://schemas.microsoft.com/office/drawing/2010/main">
+                <a:effectLst>
+                  <a:outerShdw dist="35921" dir="2700000" algn="ctr" rotWithShape="0">
+                    <a:schemeClr val="bg2"/>
+                  </a:outerShdw>
+                </a:effectLst>
+              </a14:hiddenEffects>
+            </a:ext>
+          </a:extLst>
+        </p:spPr>
+      </p:pic>
+    </p:spTree>
+    <p:extLst>
+      <p:ext uri="{BB962C8B-B14F-4D97-AF65-F5344CB8AC3E}">
+        <p14:creationId xmlns:p14="http://schemas.microsoft.com/office/powerpoint/2010/main" val="169365128"/>
+      </p:ext>
+    </p:extLst>
+  </p:cSld>
+  <p:clrMapOvr>
+    <a:masterClrMapping/>
+  </p:clrMapOvr>
+  <p:transition spd="slow">
+    <p:wipe dir="d"/>
+  </p:transition>
+  <p:timing>
+    <p:tnLst>
+      <p:par>
+        <p:cTn id="1" dur="indefinite" restart="never" nodeType="tmRoot">
+          <p:childTnLst>
+            <p:seq concurrent="1" nextAc="seek">
+              <p:cTn id="2" dur="indefinite" nodeType="mainSeq">
+                <p:childTnLst>
+                  <p:par>
+                    <p:cTn id="3" fill="hold">
+                      <p:stCondLst>
+                        <p:cond delay="indefinite"/>
+                        <p:cond evt="onBegin" delay="0">
+                          <p:tn val="2"/>
+                        </p:cond>
+                      </p:stCondLst>
+                      <p:childTnLst>
+                        <p:par>
+                          <p:cTn id="4" fill="hold">
+                            <p:stCondLst>
+                              <p:cond delay="0"/>
+                            </p:stCondLst>
+                            <p:childTnLst>
+                              <p:par>
+                                <p:cTn id="5" presetID="10" presetClass="entr" presetSubtype="0" fill="hold" grpId="0" nodeType="afterEffect">
+                                  <p:stCondLst>
+                                    <p:cond delay="0"/>
+                                  </p:stCondLst>
+                                  <p:childTnLst>
+                                    <p:set>
+                                      <p:cBhvr>
+                                        <p:cTn id="6" dur="1" fill="hold">
+                                          <p:stCondLst>
+                                            <p:cond delay="0"/>
+                                          </p:stCondLst>
+                                        </p:cTn>
+                                        <p:tgtEl>
+                                          <p:spTgt spid="4">
+                                            <p:txEl>
+                                              <p:pRg st="0" end="0"/>
+                                            </p:txEl>
+                                          </p:spTgt>
+                                        </p:tgtEl>
+                                        <p:attrNameLst>
+                                          <p:attrName>style.visibility</p:attrName>
+                                        </p:attrNameLst>
+                                      </p:cBhvr>
+                                      <p:to>
+                                        <p:strVal val="visible"/>
+                                      </p:to>
+                                    </p:set>
+                                    <p:animEffect transition="in" filter="fade">
+                                      <p:cBhvr>
+                                        <p:cTn id="7" dur="500"/>
+                                        <p:tgtEl>
+                                          <p:spTgt spid="4">
+                                            <p:txEl>
+                                              <p:pRg st="0" end="0"/>
+                                            </p:txEl>
+                                          </p:spTgt>
+                                        </p:tgtEl>
+                                      </p:cBhvr>
+                                    </p:animEffect>
+                                  </p:childTnLst>
+                                </p:cTn>
+                              </p:par>
+                            </p:childTnLst>
+                          </p:cTn>
+                        </p:par>
+                      </p:childTnLst>
+                    </p:cTn>
+                  </p:par>
+                  <p:par>
+                    <p:cTn id="8" fill="hold">
+                      <p:stCondLst>
+                        <p:cond delay="indefinite"/>
+                      </p:stCondLst>
+                      <p:childTnLst>
+                        <p:par>
+                          <p:cTn id="9" fill="hold">
+                            <p:stCondLst>
+                              <p:cond delay="0"/>
+                            </p:stCondLst>
+                            <p:childTnLst>
+                              <p:par>
+                                <p:cTn id="10" presetID="10" presetClass="entr" presetSubtype="0" fill="hold" nodeType="clickEffect">
+                                  <p:stCondLst>
+                                    <p:cond delay="0"/>
+                                  </p:stCondLst>
+                                  <p:childTnLst>
+                                    <p:set>
+                                      <p:cBhvr>
+                                        <p:cTn id="11" dur="1" fill="hold">
+                                          <p:stCondLst>
+                                            <p:cond delay="0"/>
+                                          </p:stCondLst>
+                                        </p:cTn>
+                                        <p:tgtEl>
+                                          <p:spTgt spid="2050"/>
+                                        </p:tgtEl>
+                                        <p:attrNameLst>
+                                          <p:attrName>style.visibility</p:attrName>
+                                        </p:attrNameLst>
+                                      </p:cBhvr>
+                                      <p:to>
+                                        <p:strVal val="visible"/>
+                                      </p:to>
+                                    </p:set>
+                                    <p:animEffect transition="in" filter="fade">
+                                      <p:cBhvr>
+                                        <p:cTn id="12" dur="500"/>
+                                        <p:tgtEl>
+                                          <p:spTgt spid="2050"/>
+                                        </p:tgtEl>
+                                      </p:cBhvr>
+                                    </p:animEffect>
+                                  </p:childTnLst>
+                                </p:cTn>
+                              </p:par>
+                            </p:childTnLst>
+                          </p:cTn>
+                        </p:par>
+                      </p:childTnLst>
+                    </p:cTn>
+                  </p:par>
+                </p:childTnLst>
+              </p:cTn>
+              <p:prevCondLst>
+                <p:cond evt="onPrev" delay="0">
+                  <p:tgtEl>
+                    <p:sldTgt/>
+                  </p:tgtEl>
+                </p:cond>
+              </p:prevCondLst>
+              <p:nextCondLst>
+                <p:cond evt="onNext" delay="0">
+                  <p:tgtEl>
+                    <p:sldTgt/>
+                  </p:tgtEl>
+                </p:cond>
+              </p:nextCondLst>
+            </p:seq>
+          </p:childTnLst>
+        </p:cTn>
+      </p:par>
+    </p:tnLst>
+    <p:bldLst>
+      <p:bldP spid="4" grpId="0" build="p"/>
+    </p:bldLst>
+  </p:timing>
+</p:sld>
+</file>
+
+<file path=ppt/slides/slide17.xml><?xml version="1.0" encoding="utf-8"?>
+<p:sld xmlns:a="http://schemas.openxmlformats.org/drawingml/2006/main" xmlns:r="http://schemas.openxmlformats.org/officeDocument/2006/relationships" xmlns:p="http://schemas.openxmlformats.org/presentationml/2006/main">
+  <p:cSld>
+    <p:spTree>
+      <p:nvGrpSpPr>
+        <p:cNvPr id="1" name="Shape 241"/>
+        <p:cNvGrpSpPr/>
+        <p:nvPr/>
+      </p:nvGrpSpPr>
+      <p:grpSpPr>
+        <a:xfrm>
+          <a:off x="0" y="0"/>
+          <a:ext cx="0" cy="0"/>
+          <a:chOff x="0" y="0"/>
+          <a:chExt cx="0" cy="0"/>
+        </a:xfrm>
+      </p:grpSpPr>
+      <p:sp>
+        <p:nvSpPr>
+          <p:cNvPr id="242" name="Google Shape;242;p17"/>
+          <p:cNvSpPr txBox="1">
+            <a:spLocks noGrp="1"/>
+          </p:cNvSpPr>
+          <p:nvPr>
+            <p:ph type="title"/>
+          </p:nvPr>
+        </p:nvSpPr>
+        <p:spPr>
+          <a:xfrm>
+            <a:off x="1190062" y="0"/>
             <a:ext cx="4477875" cy="1102444"/>
           </a:xfrm>
           <a:prstGeom prst="rect">
@@ -14102,7 +15216,7 @@
         </p:nvSpPr>
         <p:spPr>
           <a:xfrm>
-            <a:off x="3223238" y="4205326"/>
+            <a:off x="3223238" y="4848300"/>
             <a:ext cx="411525" cy="295200"/>
           </a:xfrm>
           <a:prstGeom prst="rect">
@@ -14118,7 +15232,7 @@
             <a:fld id="{00000000-1234-1234-1234-123412341234}" type="slidenum">
               <a:rPr lang="en"/>
               <a:pPr/>
-              <a:t>15</a:t>
+              <a:t>17</a:t>
             </a:fld>
             <a:endParaRPr dirty="0"/>
           </a:p>
@@ -14228,9 +15342,24 @@
                 <a:cs typeface="Times New Roman" panose="02020603050405020304" pitchFamily="18" charset="0"/>
                 <a:hlinkClick r:id="rId5"/>
               </a:rPr>
-              <a:t>://www.npmtrends.com/next-vs-next.js</a:t>
+              <a:t>://</a:t>
             </a:r>
-            <a:endParaRPr lang="pt-BR" sz="2000" dirty="0">
+            <a:r>
+              <a:rPr lang="pt-BR" sz="2000" u="sng" dirty="0" smtClean="0">
+                <a:solidFill>
+                  <a:srgbClr val="1D2125"/>
+                </a:solidFill>
+                <a:latin typeface="Calibri" panose="020F0502020204030204" pitchFamily="34" charset="0"/>
+                <a:ea typeface="Calibri" panose="020F0502020204030204" pitchFamily="34" charset="0"/>
+                <a:cs typeface="Times New Roman" panose="02020603050405020304" pitchFamily="18" charset="0"/>
+                <a:hlinkClick r:id="rId5"/>
+              </a:rPr>
+              <a:t>www.npmtrends.com/next</a:t>
+            </a:r>
+            <a:endParaRPr lang="pt-BR" sz="2000" u="sng" dirty="0" smtClean="0">
+              <a:solidFill>
+                <a:srgbClr val="1D2125"/>
+              </a:solidFill>
               <a:latin typeface="Calibri" panose="020F0502020204030204" pitchFamily="34" charset="0"/>
               <a:ea typeface="Calibri" panose="020F0502020204030204" pitchFamily="34" charset="0"/>
               <a:cs typeface="Times New Roman" panose="02020603050405020304" pitchFamily="18" charset="0"/>
@@ -14246,6 +15375,18 @@
               </a:spcAft>
             </a:pPr>
             <a:r>
+              <a:rPr lang="pt-BR" sz="2000" u="sng" dirty="0" smtClean="0">
+                <a:solidFill>
+                  <a:srgbClr val="0000FF"/>
+                </a:solidFill>
+                <a:latin typeface="Calibri" panose="020F0502020204030204" pitchFamily="34" charset="0"/>
+                <a:ea typeface="Calibri" panose="020F0502020204030204" pitchFamily="34" charset="0"/>
+                <a:cs typeface="Times New Roman" panose="02020603050405020304" pitchFamily="18" charset="0"/>
+                <a:hlinkClick r:id="rId6"/>
+              </a:rPr>
+              <a:t>https</a:t>
+            </a:r>
+            <a:r>
               <a:rPr lang="pt-BR" sz="2000" u="sng" dirty="0">
                 <a:solidFill>
                   <a:srgbClr val="0000FF"/>
@@ -14255,7 +15396,7 @@
                 <a:cs typeface="Times New Roman" panose="02020603050405020304" pitchFamily="18" charset="0"/>
                 <a:hlinkClick r:id="rId6"/>
               </a:rPr>
-              <a:t>https://nextjs.org/docs/basic-features/data-fetching</a:t>
+              <a:t>://nextjs.org/docs/basic-features/data-fetching</a:t>
             </a:r>
             <a:endParaRPr lang="pt-BR" sz="2000" dirty="0">
               <a:latin typeface="Calibri" panose="020F0502020204030204" pitchFamily="34" charset="0"/>
@@ -14625,7 +15766,7 @@
 </p:sld>
 </file>
 
-<file path=ppt/slides/slide16.xml><?xml version="1.0" encoding="utf-8"?>
+<file path=ppt/slides/slide18.xml><?xml version="1.0" encoding="utf-8"?>
 <p:sld xmlns:a="http://schemas.openxmlformats.org/drawingml/2006/main" xmlns:r="http://schemas.openxmlformats.org/officeDocument/2006/relationships" xmlns:p="http://schemas.openxmlformats.org/presentationml/2006/main">
   <p:cSld>
     <p:spTree>
@@ -14686,11 +15827,6 @@
               </a:rPr>
               <a:t>?</a:t>
             </a:r>
-            <a:endParaRPr lang="en" sz="2700" b="1" dirty="0">
-              <a:solidFill>
-                <a:srgbClr val="FFFFFF"/>
-              </a:solidFill>
-            </a:endParaRPr>
           </a:p>
         </p:txBody>
       </p:sp>
@@ -14706,7 +15842,7 @@
         </p:nvSpPr>
         <p:spPr>
           <a:xfrm>
-            <a:off x="3223238" y="4205326"/>
+            <a:off x="3223238" y="4848300"/>
             <a:ext cx="411525" cy="295200"/>
           </a:xfrm>
           <a:prstGeom prst="rect">
@@ -14722,9 +15858,9 @@
             <a:fld id="{00000000-1234-1234-1234-123412341234}" type="slidenum">
               <a:rPr lang="en"/>
               <a:pPr/>
-              <a:t>16</a:t>
+              <a:t>18</a:t>
             </a:fld>
-            <a:endParaRPr/>
+            <a:endParaRPr dirty="0"/>
           </a:p>
         </p:txBody>
       </p:sp>
@@ -14736,8 +15872,8 @@
         </p:nvSpPr>
         <p:spPr>
           <a:xfrm>
-            <a:off x="2869442" y="1492474"/>
-            <a:ext cx="1119115" cy="1295983"/>
+            <a:off x="2769159" y="1525195"/>
+            <a:ext cx="1285114" cy="1295983"/>
           </a:xfrm>
           <a:custGeom>
             <a:avLst/>
@@ -15472,11 +16608,6 @@
               </a:rPr>
               <a:t>?</a:t>
             </a:r>
-            <a:endParaRPr lang="en" sz="4800" b="1" dirty="0">
-              <a:solidFill>
-                <a:srgbClr val="FFFFFF"/>
-              </a:solidFill>
-            </a:endParaRPr>
           </a:p>
         </p:txBody>
       </p:sp>
@@ -15512,11 +16643,6 @@
               </a:rPr>
               <a:t>?</a:t>
             </a:r>
-            <a:endParaRPr lang="en" sz="3200" b="1" dirty="0">
-              <a:solidFill>
-                <a:srgbClr val="FFFFFF"/>
-              </a:solidFill>
-            </a:endParaRPr>
           </a:p>
         </p:txBody>
       </p:sp>
@@ -15552,11 +16678,6 @@
               </a:rPr>
               <a:t>?</a:t>
             </a:r>
-            <a:endParaRPr lang="en" sz="2400" b="1" dirty="0">
-              <a:solidFill>
-                <a:srgbClr val="FFFFFF"/>
-              </a:solidFill>
-            </a:endParaRPr>
           </a:p>
         </p:txBody>
       </p:sp>
@@ -15599,7 +16720,7 @@
                               <p:par>
                                 <p:cTn id="5" presetID="10" presetClass="entr" presetSubtype="0" fill="hold" grpId="0" nodeType="afterEffect">
                                   <p:stCondLst>
-                                    <p:cond delay="500"/>
+                                    <p:cond delay="0"/>
                                   </p:stCondLst>
                                   <p:childTnLst>
                                     <p:set>
@@ -15610,7 +16731,7 @@
                                           </p:stCondLst>
                                         </p:cTn>
                                         <p:tgtEl>
-                                          <p:spTgt spid="2"/>
+                                          <p:spTgt spid="7"/>
                                         </p:tgtEl>
                                         <p:attrNameLst>
                                           <p:attrName>style.visibility</p:attrName>
@@ -15624,7 +16745,7 @@
                                       <p:cBhvr>
                                         <p:cTn id="7" dur="500"/>
                                         <p:tgtEl>
-                                          <p:spTgt spid="2"/>
+                                          <p:spTgt spid="7"/>
                                         </p:tgtEl>
                                       </p:cBhvr>
                                     </p:animEffect>
@@ -15637,7 +16758,7 @@
                         <p:par>
                           <p:cTn id="8" fill="hold">
                             <p:stCondLst>
-                              <p:cond delay="1000"/>
+                              <p:cond delay="500"/>
                             </p:stCondLst>
                             <p:childTnLst>
                               <p:par>
@@ -15654,7 +16775,11 @@
                                           </p:stCondLst>
                                         </p:cTn>
                                         <p:tgtEl>
-                                          <p:spTgt spid="9"/>
+                                          <p:spTgt spid="442">
+                                            <p:txEl>
+                                              <p:pRg st="0" end="0"/>
+                                            </p:txEl>
+                                          </p:spTgt>
                                         </p:tgtEl>
                                         <p:attrNameLst>
                                           <p:attrName>style.visibility</p:attrName>
@@ -15668,7 +16793,11 @@
                                       <p:cBhvr>
                                         <p:cTn id="11" dur="500"/>
                                         <p:tgtEl>
-                                          <p:spTgt spid="9"/>
+                                          <p:spTgt spid="442">
+                                            <p:txEl>
+                                              <p:pRg st="0" end="0"/>
+                                            </p:txEl>
+                                          </p:spTgt>
                                         </p:tgtEl>
                                       </p:cBhvr>
                                     </p:animEffect>
@@ -15681,7 +16810,7 @@
                         <p:par>
                           <p:cTn id="12" fill="hold">
                             <p:stCondLst>
-                              <p:cond delay="1500"/>
+                              <p:cond delay="1000"/>
                             </p:stCondLst>
                             <p:childTnLst>
                               <p:par>
@@ -15710,7 +16839,7 @@
                                     </p:set>
                                     <p:animEffect transition="in" filter="fade">
                                       <p:cBhvr>
-                                        <p:cTn id="15" dur="500"/>
+                                        <p:cTn id="15" dur="300"/>
                                         <p:tgtEl>
                                           <p:spTgt spid="10"/>
                                         </p:tgtEl>
@@ -15725,13 +16854,13 @@
                         <p:par>
                           <p:cTn id="16" fill="hold">
                             <p:stCondLst>
-                              <p:cond delay="2000"/>
+                              <p:cond delay="1300"/>
                             </p:stCondLst>
                             <p:childTnLst>
                               <p:par>
                                 <p:cTn id="17" presetID="10" presetClass="entr" presetSubtype="0" fill="hold" grpId="0" nodeType="afterEffect">
                                   <p:stCondLst>
-                                    <p:cond delay="200"/>
+                                    <p:cond delay="100"/>
                                   </p:stCondLst>
                                   <p:childTnLst>
                                     <p:set>
@@ -15742,11 +16871,7 @@
                                           </p:stCondLst>
                                         </p:cTn>
                                         <p:tgtEl>
-                                          <p:spTgt spid="442">
-                                            <p:txEl>
-                                              <p:pRg st="0" end="0"/>
-                                            </p:txEl>
-                                          </p:spTgt>
+                                          <p:spTgt spid="2"/>
                                         </p:tgtEl>
                                         <p:attrNameLst>
                                           <p:attrName>style.visibility</p:attrName>
@@ -15758,13 +16883,53 @@
                                     </p:set>
                                     <p:animEffect transition="in" filter="fade">
                                       <p:cBhvr>
-                                        <p:cTn id="19" dur="500"/>
+                                        <p:cTn id="19" dur="300"/>
                                         <p:tgtEl>
-                                          <p:spTgt spid="442">
-                                            <p:txEl>
-                                              <p:pRg st="0" end="0"/>
-                                            </p:txEl>
-                                          </p:spTgt>
+                                          <p:spTgt spid="2"/>
+                                        </p:tgtEl>
+                                      </p:cBhvr>
+                                    </p:animEffect>
+                                  </p:childTnLst>
+                                </p:cTn>
+                              </p:par>
+                            </p:childTnLst>
+                          </p:cTn>
+                        </p:par>
+                        <p:par>
+                          <p:cTn id="20" fill="hold">
+                            <p:stCondLst>
+                              <p:cond delay="1700"/>
+                            </p:stCondLst>
+                            <p:childTnLst>
+                              <p:par>
+                                <p:cTn id="21" presetID="10" presetClass="entr" presetSubtype="0" fill="hold" grpId="0" nodeType="afterEffect">
+                                  <p:stCondLst>
+                                    <p:cond delay="0"/>
+                                  </p:stCondLst>
+                                  <p:childTnLst>
+                                    <p:set>
+                                      <p:cBhvr>
+                                        <p:cTn id="22" dur="1" fill="hold">
+                                          <p:stCondLst>
+                                            <p:cond delay="0"/>
+                                          </p:stCondLst>
+                                        </p:cTn>
+                                        <p:tgtEl>
+                                          <p:spTgt spid="9"/>
+                                        </p:tgtEl>
+                                        <p:attrNameLst>
+                                          <p:attrName>style.visibility</p:attrName>
+                                        </p:attrNameLst>
+                                      </p:cBhvr>
+                                      <p:to>
+                                        <p:strVal val="visible"/>
+                                      </p:to>
+                                    </p:set>
+                                    <p:animEffect transition="in" filter="fade">
+                                      <p:cBhvr>
+                                        <p:cTn id="23" dur="200"/>
+                                        <p:tgtEl>
+                                          <p:spTgt spid="9"/>
                                         </p:tgtEl>
                                       </p:cBhvr>
                                     </p:animEffect>
@@ -15800,6 +16965,7 @@
     </p:tnLst>
     <p:bldLst>
       <p:bldP spid="442" grpId="0" build="p"/>
+      <p:bldP spid="7" grpId="0" animBg="1"/>
       <p:bldP spid="2" grpId="0"/>
       <p:bldP spid="9" grpId="0"/>
       <p:bldP spid="10" grpId="0"/>
@@ -15808,7 +16974,7 @@
 </p:sld>
 </file>
 
-<file path=ppt/slides/slide17.xml><?xml version="1.0" encoding="utf-8"?>
+<file path=ppt/slides/slide19.xml><?xml version="1.0" encoding="utf-8"?>
 <p:sld xmlns:a="http://schemas.openxmlformats.org/drawingml/2006/main" xmlns:r="http://schemas.openxmlformats.org/officeDocument/2006/relationships" xmlns:p="http://schemas.openxmlformats.org/presentationml/2006/main">
   <p:cSld>
     <p:spTree>
@@ -15837,7 +17003,7 @@
         </p:nvSpPr>
         <p:spPr>
           <a:xfrm>
-            <a:off x="342900" y="375464"/>
+            <a:off x="342900" y="157098"/>
             <a:ext cx="6172200" cy="797625"/>
           </a:xfrm>
           <a:prstGeom prst="rect">
@@ -15870,7 +17036,7 @@
         </p:nvSpPr>
         <p:spPr>
           <a:xfrm>
-            <a:off x="3223238" y="4205326"/>
+            <a:off x="3223238" y="4848300"/>
             <a:ext cx="411525" cy="295200"/>
           </a:xfrm>
           <a:prstGeom prst="rect">
@@ -15886,9 +17052,9 @@
             <a:fld id="{00000000-1234-1234-1234-123412341234}" type="slidenum">
               <a:rPr lang="en"/>
               <a:pPr/>
-              <a:t>17</a:t>
+              <a:t>19</a:t>
             </a:fld>
-            <a:endParaRPr/>
+            <a:endParaRPr dirty="0"/>
           </a:p>
         </p:txBody>
       </p:sp>
@@ -17820,7 +18986,419 @@
 </p:sld>
 </file>
 
-<file path=ppt/slides/slide18.xml><?xml version="1.0" encoding="utf-8"?>
+<file path=ppt/slides/slide2.xml><?xml version="1.0" encoding="utf-8"?>
+<p:sld xmlns:a="http://schemas.openxmlformats.org/drawingml/2006/main" xmlns:r="http://schemas.openxmlformats.org/officeDocument/2006/relationships" xmlns:p="http://schemas.openxmlformats.org/presentationml/2006/main">
+  <p:cSld>
+    <p:spTree>
+      <p:nvGrpSpPr>
+        <p:cNvPr id="1" name="Shape 206"/>
+        <p:cNvGrpSpPr/>
+        <p:nvPr/>
+      </p:nvGrpSpPr>
+      <p:grpSpPr>
+        <a:xfrm>
+          <a:off x="0" y="0"/>
+          <a:ext cx="0" cy="0"/>
+          <a:chOff x="0" y="0"/>
+          <a:chExt cx="0" cy="0"/>
+        </a:xfrm>
+      </p:grpSpPr>
+      <p:sp>
+        <p:nvSpPr>
+          <p:cNvPr id="10" name="Google Shape;103;p19"/>
+          <p:cNvSpPr txBox="1">
+            <a:spLocks/>
+          </p:cNvSpPr>
+          <p:nvPr/>
+        </p:nvSpPr>
+        <p:spPr>
+          <a:xfrm>
+            <a:off x="757239" y="1565694"/>
+            <a:ext cx="5329237" cy="2072006"/>
+          </a:xfrm>
+          <a:prstGeom prst="rect">
+            <a:avLst/>
+          </a:prstGeom>
+          <a:noFill/>
+          <a:ln>
+            <a:noFill/>
+          </a:ln>
+          <a:effectLst>
+            <a:outerShdw blurRad="42863" dist="9525" dir="5400000" algn="bl" rotWithShape="0">
+              <a:srgbClr val="000000">
+                <a:alpha val="20000"/>
+              </a:srgbClr>
+            </a:outerShdw>
+          </a:effectLst>
+        </p:spPr>
+        <p:txBody>
+          <a:bodyPr spcFirstLastPara="1" wrap="square" lIns="0" tIns="0" rIns="0" bIns="0" anchor="ctr" anchorCtr="0">
+            <a:noAutofit/>
+          </a:bodyPr>
+          <a:lstStyle>
+            <a:defPPr marR="0" lvl="0" algn="l" rtl="0">
+              <a:lnSpc>
+                <a:spcPct val="100000"/>
+              </a:lnSpc>
+              <a:spcBef>
+                <a:spcPts val="0"/>
+              </a:spcBef>
+              <a:spcAft>
+                <a:spcPts val="0"/>
+              </a:spcAft>
+            </a:defPPr>
+            <a:lvl1pPr marR="0" lvl="0" algn="l" rtl="0">
+              <a:lnSpc>
+                <a:spcPct val="100000"/>
+              </a:lnSpc>
+              <a:spcBef>
+                <a:spcPts val="0"/>
+              </a:spcBef>
+              <a:spcAft>
+                <a:spcPts val="0"/>
+              </a:spcAft>
+              <a:buClr>
+                <a:schemeClr val="lt1"/>
+              </a:buClr>
+              <a:buSzPts val="2600"/>
+              <a:buFont typeface="Montserrat ExtraBold"/>
+              <a:buNone/>
+              <a:defRPr sz="2600" b="0" i="0" u="none" strike="noStrike" cap="none">
+                <a:solidFill>
+                  <a:schemeClr val="lt1"/>
+                </a:solidFill>
+                <a:latin typeface="Montserrat ExtraBold"/>
+                <a:ea typeface="Montserrat ExtraBold"/>
+                <a:cs typeface="Montserrat ExtraBold"/>
+                <a:sym typeface="Montserrat ExtraBold"/>
+              </a:defRPr>
+            </a:lvl1pPr>
+            <a:lvl2pPr marR="0" lvl="1" algn="l" rtl="0">
+              <a:lnSpc>
+                <a:spcPct val="100000"/>
+              </a:lnSpc>
+              <a:spcBef>
+                <a:spcPts val="0"/>
+              </a:spcBef>
+              <a:spcAft>
+                <a:spcPts val="0"/>
+              </a:spcAft>
+              <a:buClr>
+                <a:schemeClr val="lt1"/>
+              </a:buClr>
+              <a:buSzPts val="2600"/>
+              <a:buFont typeface="Montserrat ExtraBold"/>
+              <a:buNone/>
+              <a:defRPr sz="2600" b="0" i="0" u="none" strike="noStrike" cap="none">
+                <a:solidFill>
+                  <a:schemeClr val="lt1"/>
+                </a:solidFill>
+                <a:latin typeface="Montserrat ExtraBold"/>
+                <a:ea typeface="Montserrat ExtraBold"/>
+                <a:cs typeface="Montserrat ExtraBold"/>
+                <a:sym typeface="Montserrat ExtraBold"/>
+              </a:defRPr>
+            </a:lvl2pPr>
+            <a:lvl3pPr marR="0" lvl="2" algn="l" rtl="0">
+              <a:lnSpc>
+                <a:spcPct val="100000"/>
+              </a:lnSpc>
+              <a:spcBef>
+                <a:spcPts val="0"/>
+              </a:spcBef>
+              <a:spcAft>
+                <a:spcPts val="0"/>
+              </a:spcAft>
+              <a:buClr>
+                <a:schemeClr val="lt1"/>
+              </a:buClr>
+              <a:buSzPts val="2600"/>
+              <a:buFont typeface="Montserrat ExtraBold"/>
+              <a:buNone/>
+              <a:defRPr sz="2600" b="0" i="0" u="none" strike="noStrike" cap="none">
+                <a:solidFill>
+                  <a:schemeClr val="lt1"/>
+                </a:solidFill>
+                <a:latin typeface="Montserrat ExtraBold"/>
+                <a:ea typeface="Montserrat ExtraBold"/>
+                <a:cs typeface="Montserrat ExtraBold"/>
+                <a:sym typeface="Montserrat ExtraBold"/>
+              </a:defRPr>
+            </a:lvl3pPr>
+            <a:lvl4pPr marR="0" lvl="3" algn="l" rtl="0">
+              <a:lnSpc>
+                <a:spcPct val="100000"/>
+              </a:lnSpc>
+              <a:spcBef>
+                <a:spcPts val="0"/>
+              </a:spcBef>
+              <a:spcAft>
+                <a:spcPts val="0"/>
+              </a:spcAft>
+              <a:buClr>
+                <a:schemeClr val="lt1"/>
+              </a:buClr>
+              <a:buSzPts val="2600"/>
+              <a:buFont typeface="Montserrat ExtraBold"/>
+              <a:buNone/>
+              <a:defRPr sz="2600" b="0" i="0" u="none" strike="noStrike" cap="none">
+                <a:solidFill>
+                  <a:schemeClr val="lt1"/>
+                </a:solidFill>
+                <a:latin typeface="Montserrat ExtraBold"/>
+                <a:ea typeface="Montserrat ExtraBold"/>
+                <a:cs typeface="Montserrat ExtraBold"/>
+                <a:sym typeface="Montserrat ExtraBold"/>
+              </a:defRPr>
+            </a:lvl4pPr>
+            <a:lvl5pPr marR="0" lvl="4" algn="l" rtl="0">
+              <a:lnSpc>
+                <a:spcPct val="100000"/>
+              </a:lnSpc>
+              <a:spcBef>
+                <a:spcPts val="0"/>
+              </a:spcBef>
+              <a:spcAft>
+                <a:spcPts val="0"/>
+              </a:spcAft>
+              <a:buClr>
+                <a:schemeClr val="lt1"/>
+              </a:buClr>
+              <a:buSzPts val="2600"/>
+              <a:buFont typeface="Montserrat ExtraBold"/>
+              <a:buNone/>
+              <a:defRPr sz="2600" b="0" i="0" u="none" strike="noStrike" cap="none">
+                <a:solidFill>
+                  <a:schemeClr val="lt1"/>
+                </a:solidFill>
+                <a:latin typeface="Montserrat ExtraBold"/>
+                <a:ea typeface="Montserrat ExtraBold"/>
+                <a:cs typeface="Montserrat ExtraBold"/>
+                <a:sym typeface="Montserrat ExtraBold"/>
+              </a:defRPr>
+            </a:lvl5pPr>
+            <a:lvl6pPr marR="0" lvl="5" algn="l" rtl="0">
+              <a:lnSpc>
+                <a:spcPct val="100000"/>
+              </a:lnSpc>
+              <a:spcBef>
+                <a:spcPts val="0"/>
+              </a:spcBef>
+              <a:spcAft>
+                <a:spcPts val="0"/>
+              </a:spcAft>
+              <a:buClr>
+                <a:schemeClr val="lt1"/>
+              </a:buClr>
+              <a:buSzPts val="2600"/>
+              <a:buFont typeface="Montserrat ExtraBold"/>
+              <a:buNone/>
+              <a:defRPr sz="2600" b="0" i="0" u="none" strike="noStrike" cap="none">
+                <a:solidFill>
+                  <a:schemeClr val="lt1"/>
+                </a:solidFill>
+                <a:latin typeface="Montserrat ExtraBold"/>
+                <a:ea typeface="Montserrat ExtraBold"/>
+                <a:cs typeface="Montserrat ExtraBold"/>
+                <a:sym typeface="Montserrat ExtraBold"/>
+              </a:defRPr>
+            </a:lvl6pPr>
+            <a:lvl7pPr marR="0" lvl="6" algn="l" rtl="0">
+              <a:lnSpc>
+                <a:spcPct val="100000"/>
+              </a:lnSpc>
+              <a:spcBef>
+                <a:spcPts val="0"/>
+              </a:spcBef>
+              <a:spcAft>
+                <a:spcPts val="0"/>
+              </a:spcAft>
+              <a:buClr>
+                <a:schemeClr val="lt1"/>
+              </a:buClr>
+              <a:buSzPts val="2600"/>
+              <a:buFont typeface="Montserrat ExtraBold"/>
+              <a:buNone/>
+              <a:defRPr sz="2600" b="0" i="0" u="none" strike="noStrike" cap="none">
+                <a:solidFill>
+                  <a:schemeClr val="lt1"/>
+                </a:solidFill>
+                <a:latin typeface="Montserrat ExtraBold"/>
+                <a:ea typeface="Montserrat ExtraBold"/>
+                <a:cs typeface="Montserrat ExtraBold"/>
+                <a:sym typeface="Montserrat ExtraBold"/>
+              </a:defRPr>
+            </a:lvl7pPr>
+            <a:lvl8pPr marR="0" lvl="7" algn="l" rtl="0">
+              <a:lnSpc>
+                <a:spcPct val="100000"/>
+              </a:lnSpc>
+              <a:spcBef>
+                <a:spcPts val="0"/>
+              </a:spcBef>
+              <a:spcAft>
+                <a:spcPts val="0"/>
+              </a:spcAft>
+              <a:buClr>
+                <a:schemeClr val="lt1"/>
+              </a:buClr>
+              <a:buSzPts val="2600"/>
+              <a:buFont typeface="Montserrat ExtraBold"/>
+              <a:buNone/>
+              <a:defRPr sz="2600" b="0" i="0" u="none" strike="noStrike" cap="none">
+                <a:solidFill>
+                  <a:schemeClr val="lt1"/>
+                </a:solidFill>
+                <a:latin typeface="Montserrat ExtraBold"/>
+                <a:ea typeface="Montserrat ExtraBold"/>
+                <a:cs typeface="Montserrat ExtraBold"/>
+                <a:sym typeface="Montserrat ExtraBold"/>
+              </a:defRPr>
+            </a:lvl8pPr>
+            <a:lvl9pPr marR="0" lvl="8" algn="l" rtl="0">
+              <a:lnSpc>
+                <a:spcPct val="100000"/>
+              </a:lnSpc>
+              <a:spcBef>
+                <a:spcPts val="0"/>
+              </a:spcBef>
+              <a:spcAft>
+                <a:spcPts val="0"/>
+              </a:spcAft>
+              <a:buClr>
+                <a:schemeClr val="lt1"/>
+              </a:buClr>
+              <a:buSzPts val="2600"/>
+              <a:buFont typeface="Montserrat ExtraBold"/>
+              <a:buNone/>
+              <a:defRPr sz="2600" b="0" i="0" u="none" strike="noStrike" cap="none">
+                <a:solidFill>
+                  <a:schemeClr val="lt1"/>
+                </a:solidFill>
+                <a:latin typeface="Montserrat ExtraBold"/>
+                <a:ea typeface="Montserrat ExtraBold"/>
+                <a:cs typeface="Montserrat ExtraBold"/>
+                <a:sym typeface="Montserrat ExtraBold"/>
+              </a:defRPr>
+            </a:lvl9pPr>
+          </a:lstStyle>
+          <a:p>
+            <a:pPr algn="ctr"/>
+            <a:r>
+              <a:rPr lang="pt-BR" sz="3600" b="1" dirty="0"/>
+              <a:t>PRINCIPAIS </a:t>
+            </a:r>
+            <a:br>
+              <a:rPr lang="pt-BR" sz="3600" b="1" dirty="0"/>
+            </a:br>
+            <a:r>
+              <a:rPr lang="pt-BR" sz="3600" b="1" dirty="0"/>
+              <a:t>CARACTERÍSTICAS</a:t>
+            </a:r>
+          </a:p>
+        </p:txBody>
+      </p:sp>
+    </p:spTree>
+  </p:cSld>
+  <p:clrMapOvr>
+    <a:masterClrMapping/>
+  </p:clrMapOvr>
+  <p:transition spd="slow">
+    <p:wipe dir="d"/>
+  </p:transition>
+  <p:timing>
+    <p:tnLst>
+      <p:par>
+        <p:cTn id="1" dur="indefinite" restart="never" nodeType="tmRoot">
+          <p:childTnLst>
+            <p:seq concurrent="1" nextAc="seek">
+              <p:cTn id="2" dur="indefinite" nodeType="mainSeq">
+                <p:childTnLst>
+                  <p:par>
+                    <p:cTn id="3" fill="hold">
+                      <p:stCondLst>
+                        <p:cond delay="indefinite"/>
+                        <p:cond evt="onBegin" delay="0">
+                          <p:tn val="2"/>
+                        </p:cond>
+                      </p:stCondLst>
+                      <p:childTnLst>
+                        <p:par>
+                          <p:cTn id="4" fill="hold">
+                            <p:stCondLst>
+                              <p:cond delay="0"/>
+                            </p:stCondLst>
+                            <p:childTnLst>
+                              <p:par>
+                                <p:cTn id="5" presetID="10" presetClass="entr" presetSubtype="0" fill="hold" grpId="0" nodeType="withEffect">
+                                  <p:stCondLst>
+                                    <p:cond delay="0"/>
+                                  </p:stCondLst>
+                                  <p:childTnLst>
+                                    <p:set>
+                                      <p:cBhvr>
+                                        <p:cTn id="6" dur="1" fill="hold">
+                                          <p:stCondLst>
+                                            <p:cond delay="0"/>
+                                          </p:stCondLst>
+                                        </p:cTn>
+                                        <p:tgtEl>
+                                          <p:spTgt spid="10"/>
+                                        </p:tgtEl>
+                                        <p:attrNameLst>
+                                          <p:attrName>style.visibility</p:attrName>
+                                        </p:attrNameLst>
+                                      </p:cBhvr>
+                                      <p:to>
+                                        <p:strVal val="visible"/>
+                                      </p:to>
+                                    </p:set>
+                                    <p:animEffect transition="in" filter="fade">
+                                      <p:cBhvr>
+                                        <p:cTn id="7" dur="500"/>
+                                        <p:tgtEl>
+                                          <p:spTgt spid="10"/>
+                                        </p:tgtEl>
+                                      </p:cBhvr>
+                                    </p:animEffect>
+                                  </p:childTnLst>
+                                </p:cTn>
+                              </p:par>
+                            </p:childTnLst>
+                          </p:cTn>
+                        </p:par>
+                      </p:childTnLst>
+                    </p:cTn>
+                  </p:par>
+                </p:childTnLst>
+              </p:cTn>
+              <p:prevCondLst>
+                <p:cond evt="onPrev" delay="0">
+                  <p:tgtEl>
+                    <p:sldTgt/>
+                  </p:tgtEl>
+                </p:cond>
+              </p:prevCondLst>
+              <p:nextCondLst>
+                <p:cond evt="onNext" delay="0">
+                  <p:tgtEl>
+                    <p:sldTgt/>
+                  </p:tgtEl>
+                </p:cond>
+              </p:nextCondLst>
+            </p:seq>
+          </p:childTnLst>
+        </p:cTn>
+      </p:par>
+    </p:tnLst>
+    <p:bldLst>
+      <p:bldP spid="10" grpId="0"/>
+    </p:bldLst>
+  </p:timing>
+</p:sld>
+</file>
+
+<file path=ppt/slides/slide20.xml><?xml version="1.0" encoding="utf-8"?>
 <p:sld xmlns:a="http://schemas.openxmlformats.org/drawingml/2006/main" xmlns:r="http://schemas.openxmlformats.org/officeDocument/2006/relationships" xmlns:p="http://schemas.openxmlformats.org/presentationml/2006/main">
   <p:cSld>
     <p:spTree>
@@ -18231,336 +19809,6 @@
 </p:sld>
 </file>
 
-<file path=ppt/slides/slide2.xml><?xml version="1.0" encoding="utf-8"?>
-<p:sld xmlns:a="http://schemas.openxmlformats.org/drawingml/2006/main" xmlns:r="http://schemas.openxmlformats.org/officeDocument/2006/relationships" xmlns:p="http://schemas.openxmlformats.org/presentationml/2006/main">
-  <p:cSld>
-    <p:spTree>
-      <p:nvGrpSpPr>
-        <p:cNvPr id="1" name="Shape 206"/>
-        <p:cNvGrpSpPr/>
-        <p:nvPr/>
-      </p:nvGrpSpPr>
-      <p:grpSpPr>
-        <a:xfrm>
-          <a:off x="0" y="0"/>
-          <a:ext cx="0" cy="0"/>
-          <a:chOff x="0" y="0"/>
-          <a:chExt cx="0" cy="0"/>
-        </a:xfrm>
-      </p:grpSpPr>
-      <p:sp>
-        <p:nvSpPr>
-          <p:cNvPr id="10" name="Google Shape;103;p19"/>
-          <p:cNvSpPr txBox="1">
-            <a:spLocks/>
-          </p:cNvSpPr>
-          <p:nvPr/>
-        </p:nvSpPr>
-        <p:spPr>
-          <a:xfrm>
-            <a:off x="757239" y="1565694"/>
-            <a:ext cx="5329237" cy="2072006"/>
-          </a:xfrm>
-          <a:prstGeom prst="rect">
-            <a:avLst/>
-          </a:prstGeom>
-          <a:noFill/>
-          <a:ln>
-            <a:noFill/>
-          </a:ln>
-          <a:effectLst>
-            <a:outerShdw blurRad="42863" dist="9525" dir="5400000" algn="bl" rotWithShape="0">
-              <a:srgbClr val="000000">
-                <a:alpha val="20000"/>
-              </a:srgbClr>
-            </a:outerShdw>
-          </a:effectLst>
-        </p:spPr>
-        <p:txBody>
-          <a:bodyPr spcFirstLastPara="1" wrap="square" lIns="0" tIns="0" rIns="0" bIns="0" anchor="ctr" anchorCtr="0">
-            <a:noAutofit/>
-          </a:bodyPr>
-          <a:lstStyle>
-            <a:defPPr marR="0" lvl="0" algn="l" rtl="0">
-              <a:lnSpc>
-                <a:spcPct val="100000"/>
-              </a:lnSpc>
-              <a:spcBef>
-                <a:spcPts val="0"/>
-              </a:spcBef>
-              <a:spcAft>
-                <a:spcPts val="0"/>
-              </a:spcAft>
-            </a:defPPr>
-            <a:lvl1pPr marR="0" lvl="0" algn="l" rtl="0">
-              <a:lnSpc>
-                <a:spcPct val="100000"/>
-              </a:lnSpc>
-              <a:spcBef>
-                <a:spcPts val="0"/>
-              </a:spcBef>
-              <a:spcAft>
-                <a:spcPts val="0"/>
-              </a:spcAft>
-              <a:buClr>
-                <a:schemeClr val="lt1"/>
-              </a:buClr>
-              <a:buSzPts val="2600"/>
-              <a:buFont typeface="Montserrat ExtraBold"/>
-              <a:buNone/>
-              <a:defRPr sz="2600" b="0" i="0" u="none" strike="noStrike" cap="none">
-                <a:solidFill>
-                  <a:schemeClr val="lt1"/>
-                </a:solidFill>
-                <a:latin typeface="Montserrat ExtraBold"/>
-                <a:ea typeface="Montserrat ExtraBold"/>
-                <a:cs typeface="Montserrat ExtraBold"/>
-                <a:sym typeface="Montserrat ExtraBold"/>
-              </a:defRPr>
-            </a:lvl1pPr>
-            <a:lvl2pPr marR="0" lvl="1" algn="l" rtl="0">
-              <a:lnSpc>
-                <a:spcPct val="100000"/>
-              </a:lnSpc>
-              <a:spcBef>
-                <a:spcPts val="0"/>
-              </a:spcBef>
-              <a:spcAft>
-                <a:spcPts val="0"/>
-              </a:spcAft>
-              <a:buClr>
-                <a:schemeClr val="lt1"/>
-              </a:buClr>
-              <a:buSzPts val="2600"/>
-              <a:buFont typeface="Montserrat ExtraBold"/>
-              <a:buNone/>
-              <a:defRPr sz="2600" b="0" i="0" u="none" strike="noStrike" cap="none">
-                <a:solidFill>
-                  <a:schemeClr val="lt1"/>
-                </a:solidFill>
-                <a:latin typeface="Montserrat ExtraBold"/>
-                <a:ea typeface="Montserrat ExtraBold"/>
-                <a:cs typeface="Montserrat ExtraBold"/>
-                <a:sym typeface="Montserrat ExtraBold"/>
-              </a:defRPr>
-            </a:lvl2pPr>
-            <a:lvl3pPr marR="0" lvl="2" algn="l" rtl="0">
-              <a:lnSpc>
-                <a:spcPct val="100000"/>
-              </a:lnSpc>
-              <a:spcBef>
-                <a:spcPts val="0"/>
-              </a:spcBef>
-              <a:spcAft>
-                <a:spcPts val="0"/>
-              </a:spcAft>
-              <a:buClr>
-                <a:schemeClr val="lt1"/>
-              </a:buClr>
-              <a:buSzPts val="2600"/>
-              <a:buFont typeface="Montserrat ExtraBold"/>
-              <a:buNone/>
-              <a:defRPr sz="2600" b="0" i="0" u="none" strike="noStrike" cap="none">
-                <a:solidFill>
-                  <a:schemeClr val="lt1"/>
-                </a:solidFill>
-                <a:latin typeface="Montserrat ExtraBold"/>
-                <a:ea typeface="Montserrat ExtraBold"/>
-                <a:cs typeface="Montserrat ExtraBold"/>
-                <a:sym typeface="Montserrat ExtraBold"/>
-              </a:defRPr>
-            </a:lvl3pPr>
-            <a:lvl4pPr marR="0" lvl="3" algn="l" rtl="0">
-              <a:lnSpc>
-                <a:spcPct val="100000"/>
-              </a:lnSpc>
-              <a:spcBef>
-                <a:spcPts val="0"/>
-              </a:spcBef>
-              <a:spcAft>
-                <a:spcPts val="0"/>
-              </a:spcAft>
-              <a:buClr>
-                <a:schemeClr val="lt1"/>
-              </a:buClr>
-              <a:buSzPts val="2600"/>
-              <a:buFont typeface="Montserrat ExtraBold"/>
-              <a:buNone/>
-              <a:defRPr sz="2600" b="0" i="0" u="none" strike="noStrike" cap="none">
-                <a:solidFill>
-                  <a:schemeClr val="lt1"/>
-                </a:solidFill>
-                <a:latin typeface="Montserrat ExtraBold"/>
-                <a:ea typeface="Montserrat ExtraBold"/>
-                <a:cs typeface="Montserrat ExtraBold"/>
-                <a:sym typeface="Montserrat ExtraBold"/>
-              </a:defRPr>
-            </a:lvl4pPr>
-            <a:lvl5pPr marR="0" lvl="4" algn="l" rtl="0">
-              <a:lnSpc>
-                <a:spcPct val="100000"/>
-              </a:lnSpc>
-              <a:spcBef>
-                <a:spcPts val="0"/>
-              </a:spcBef>
-              <a:spcAft>
-                <a:spcPts val="0"/>
-              </a:spcAft>
-              <a:buClr>
-                <a:schemeClr val="lt1"/>
-              </a:buClr>
-              <a:buSzPts val="2600"/>
-              <a:buFont typeface="Montserrat ExtraBold"/>
-              <a:buNone/>
-              <a:defRPr sz="2600" b="0" i="0" u="none" strike="noStrike" cap="none">
-                <a:solidFill>
-                  <a:schemeClr val="lt1"/>
-                </a:solidFill>
-                <a:latin typeface="Montserrat ExtraBold"/>
-                <a:ea typeface="Montserrat ExtraBold"/>
-                <a:cs typeface="Montserrat ExtraBold"/>
-                <a:sym typeface="Montserrat ExtraBold"/>
-              </a:defRPr>
-            </a:lvl5pPr>
-            <a:lvl6pPr marR="0" lvl="5" algn="l" rtl="0">
-              <a:lnSpc>
-                <a:spcPct val="100000"/>
-              </a:lnSpc>
-              <a:spcBef>
-                <a:spcPts val="0"/>
-              </a:spcBef>
-              <a:spcAft>
-                <a:spcPts val="0"/>
-              </a:spcAft>
-              <a:buClr>
-                <a:schemeClr val="lt1"/>
-              </a:buClr>
-              <a:buSzPts val="2600"/>
-              <a:buFont typeface="Montserrat ExtraBold"/>
-              <a:buNone/>
-              <a:defRPr sz="2600" b="0" i="0" u="none" strike="noStrike" cap="none">
-                <a:solidFill>
-                  <a:schemeClr val="lt1"/>
-                </a:solidFill>
-                <a:latin typeface="Montserrat ExtraBold"/>
-                <a:ea typeface="Montserrat ExtraBold"/>
-                <a:cs typeface="Montserrat ExtraBold"/>
-                <a:sym typeface="Montserrat ExtraBold"/>
-              </a:defRPr>
-            </a:lvl6pPr>
-            <a:lvl7pPr marR="0" lvl="6" algn="l" rtl="0">
-              <a:lnSpc>
-                <a:spcPct val="100000"/>
-              </a:lnSpc>
-              <a:spcBef>
-                <a:spcPts val="0"/>
-              </a:spcBef>
-              <a:spcAft>
-                <a:spcPts val="0"/>
-              </a:spcAft>
-              <a:buClr>
-                <a:schemeClr val="lt1"/>
-              </a:buClr>
-              <a:buSzPts val="2600"/>
-              <a:buFont typeface="Montserrat ExtraBold"/>
-              <a:buNone/>
-              <a:defRPr sz="2600" b="0" i="0" u="none" strike="noStrike" cap="none">
-                <a:solidFill>
-                  <a:schemeClr val="lt1"/>
-                </a:solidFill>
-                <a:latin typeface="Montserrat ExtraBold"/>
-                <a:ea typeface="Montserrat ExtraBold"/>
-                <a:cs typeface="Montserrat ExtraBold"/>
-                <a:sym typeface="Montserrat ExtraBold"/>
-              </a:defRPr>
-            </a:lvl7pPr>
-            <a:lvl8pPr marR="0" lvl="7" algn="l" rtl="0">
-              <a:lnSpc>
-                <a:spcPct val="100000"/>
-              </a:lnSpc>
-              <a:spcBef>
-                <a:spcPts val="0"/>
-              </a:spcBef>
-              <a:spcAft>
-                <a:spcPts val="0"/>
-              </a:spcAft>
-              <a:buClr>
-                <a:schemeClr val="lt1"/>
-              </a:buClr>
-              <a:buSzPts val="2600"/>
-              <a:buFont typeface="Montserrat ExtraBold"/>
-              <a:buNone/>
-              <a:defRPr sz="2600" b="0" i="0" u="none" strike="noStrike" cap="none">
-                <a:solidFill>
-                  <a:schemeClr val="lt1"/>
-                </a:solidFill>
-                <a:latin typeface="Montserrat ExtraBold"/>
-                <a:ea typeface="Montserrat ExtraBold"/>
-                <a:cs typeface="Montserrat ExtraBold"/>
-                <a:sym typeface="Montserrat ExtraBold"/>
-              </a:defRPr>
-            </a:lvl8pPr>
-            <a:lvl9pPr marR="0" lvl="8" algn="l" rtl="0">
-              <a:lnSpc>
-                <a:spcPct val="100000"/>
-              </a:lnSpc>
-              <a:spcBef>
-                <a:spcPts val="0"/>
-              </a:spcBef>
-              <a:spcAft>
-                <a:spcPts val="0"/>
-              </a:spcAft>
-              <a:buClr>
-                <a:schemeClr val="lt1"/>
-              </a:buClr>
-              <a:buSzPts val="2600"/>
-              <a:buFont typeface="Montserrat ExtraBold"/>
-              <a:buNone/>
-              <a:defRPr sz="2600" b="0" i="0" u="none" strike="noStrike" cap="none">
-                <a:solidFill>
-                  <a:schemeClr val="lt1"/>
-                </a:solidFill>
-                <a:latin typeface="Montserrat ExtraBold"/>
-                <a:ea typeface="Montserrat ExtraBold"/>
-                <a:cs typeface="Montserrat ExtraBold"/>
-                <a:sym typeface="Montserrat ExtraBold"/>
-              </a:defRPr>
-            </a:lvl9pPr>
-          </a:lstStyle>
-          <a:p>
-            <a:pPr algn="ctr"/>
-            <a:r>
-              <a:rPr lang="pt-BR" sz="3600" b="1" dirty="0"/>
-              <a:t>PRINCIPAIS </a:t>
-            </a:r>
-            <a:br>
-              <a:rPr lang="pt-BR" sz="3600" b="1" dirty="0"/>
-            </a:br>
-            <a:r>
-              <a:rPr lang="pt-BR" sz="3600" b="1" dirty="0"/>
-              <a:t>CARACTERÍSTICAS</a:t>
-            </a:r>
-          </a:p>
-        </p:txBody>
-      </p:sp>
-    </p:spTree>
-  </p:cSld>
-  <p:clrMapOvr>
-    <a:masterClrMapping/>
-  </p:clrMapOvr>
-  <p:transition spd="slow">
-    <p:wipe dir="d"/>
-  </p:transition>
-  <p:timing>
-    <p:tnLst>
-      <p:par>
-        <p:cTn id="1" dur="indefinite" restart="never" nodeType="tmRoot"/>
-      </p:par>
-    </p:tnLst>
-  </p:timing>
-</p:sld>
-</file>
-
 <file path=ppt/slides/slide3.xml><?xml version="1.0" encoding="utf-8"?>
 <p:sld xmlns:a="http://schemas.openxmlformats.org/drawingml/2006/main" xmlns:r="http://schemas.openxmlformats.org/officeDocument/2006/relationships" xmlns:p="http://schemas.openxmlformats.org/presentationml/2006/main">
   <p:cSld>
@@ -18615,7 +19863,6 @@
               <a:rPr lang="pt-BR" sz="3000" dirty="0"/>
               <a:t>CARACTERÍSTICAS</a:t>
             </a:r>
-            <a:endParaRPr lang="pt-BR" sz="3000" dirty="0"/>
           </a:p>
         </p:txBody>
       </p:sp>
@@ -18734,12 +19981,24 @@
               <a:t>, </a:t>
             </a:r>
             <a:r>
-              <a:rPr lang="pt-BR" dirty="0" err="1"/>
+              <a:rPr lang="pt-BR" dirty="0" err="1" smtClean="0"/>
               <a:t>pre-fetching</a:t>
             </a:r>
             <a:r>
+              <a:rPr lang="pt-BR" dirty="0" smtClean="0"/>
+              <a:t>, </a:t>
+            </a:r>
+            <a:r>
               <a:rPr lang="pt-BR" dirty="0"/>
-              <a:t> </a:t>
+              <a:t>sistema de rotas, pacotes de funcionalidades e diversos </a:t>
+            </a:r>
+            <a:r>
+              <a:rPr lang="pt-BR" dirty="0" err="1" smtClean="0"/>
+              <a:t>plugins</a:t>
+            </a:r>
+            <a:r>
+              <a:rPr lang="pt-BR" dirty="0" smtClean="0"/>
+              <a:t>.</a:t>
             </a:r>
             <a:endParaRPr lang="pt-BR" dirty="0"/>
           </a:p>
@@ -18757,7 +20016,7 @@
         </p:nvSpPr>
         <p:spPr>
           <a:xfrm>
-            <a:off x="3223238" y="4205326"/>
+            <a:off x="3231189" y="4848300"/>
             <a:ext cx="411525" cy="295200"/>
           </a:xfrm>
           <a:prstGeom prst="rect">
@@ -19398,9 +20657,91 @@
   <p:timing>
     <p:tnLst>
       <p:par>
-        <p:cTn id="1" dur="indefinite" restart="never" nodeType="tmRoot"/>
+        <p:cTn id="1" dur="indefinite" restart="never" nodeType="tmRoot">
+          <p:childTnLst>
+            <p:seq concurrent="1" nextAc="seek">
+              <p:cTn id="2" dur="indefinite" nodeType="mainSeq">
+                <p:childTnLst>
+                  <p:par>
+                    <p:cTn id="3" fill="hold">
+                      <p:stCondLst>
+                        <p:cond delay="indefinite"/>
+                        <p:cond evt="onBegin" delay="0">
+                          <p:tn val="2"/>
+                        </p:cond>
+                      </p:stCondLst>
+                      <p:childTnLst>
+                        <p:par>
+                          <p:cTn id="4" fill="hold">
+                            <p:stCondLst>
+                              <p:cond delay="0"/>
+                            </p:stCondLst>
+                            <p:childTnLst>
+                              <p:par>
+                                <p:cTn id="5" presetID="10" presetClass="entr" presetSubtype="0" fill="hold" grpId="0" nodeType="withEffect">
+                                  <p:stCondLst>
+                                    <p:cond delay="0"/>
+                                  </p:stCondLst>
+                                  <p:childTnLst>
+                                    <p:set>
+                                      <p:cBhvr>
+                                        <p:cTn id="6" dur="1" fill="hold">
+                                          <p:stCondLst>
+                                            <p:cond delay="0"/>
+                                          </p:stCondLst>
+                                        </p:cTn>
+                                        <p:tgtEl>
+                                          <p:spTgt spid="10"/>
+                                        </p:tgtEl>
+                                        <p:attrNameLst>
+                                          <p:attrName>style.visibility</p:attrName>
+                                        </p:attrNameLst>
+                                      </p:cBhvr>
+                                      <p:to>
+                                        <p:strVal val="visible"/>
+                                      </p:to>
+                                    </p:set>
+                                    <p:animEffect transition="in" filter="fade">
+                                      <p:cBhvr>
+                                        <p:cTn id="7" dur="500"/>
+                                        <p:tgtEl>
+                                          <p:spTgt spid="10"/>
+                                        </p:tgtEl>
+                                      </p:cBhvr>
+                                    </p:animEffect>
+                                  </p:childTnLst>
+                                </p:cTn>
+                              </p:par>
+                            </p:childTnLst>
+                          </p:cTn>
+                        </p:par>
+                      </p:childTnLst>
+                    </p:cTn>
+                  </p:par>
+                </p:childTnLst>
+              </p:cTn>
+              <p:prevCondLst>
+                <p:cond evt="onPrev" delay="0">
+                  <p:tgtEl>
+                    <p:sldTgt/>
+                  </p:tgtEl>
+                </p:cond>
+              </p:prevCondLst>
+              <p:nextCondLst>
+                <p:cond evt="onNext" delay="0">
+                  <p:tgtEl>
+                    <p:sldTgt/>
+                  </p:tgtEl>
+                </p:cond>
+              </p:nextCondLst>
+            </p:seq>
+          </p:childTnLst>
+        </p:cTn>
       </p:par>
     </p:tnLst>
+    <p:bldLst>
+      <p:bldP spid="10" grpId="0"/>
+    </p:bldLst>
   </p:timing>
 </p:sld>
 </file>
@@ -19452,7 +20793,6 @@
               <a:rPr lang="pt-BR" sz="3000" dirty="0"/>
               <a:t>ANO E RESPONSÁVEL PELA CONSTRUÇÃO</a:t>
             </a:r>
-            <a:endParaRPr lang="pt-BR" sz="3000" dirty="0"/>
           </a:p>
         </p:txBody>
       </p:sp>
@@ -19569,7 +20909,7 @@
         </p:nvSpPr>
         <p:spPr>
           <a:xfrm>
-            <a:off x="3223238" y="4205326"/>
+            <a:off x="3215287" y="4848300"/>
             <a:ext cx="411525" cy="295200"/>
           </a:xfrm>
           <a:prstGeom prst="rect">
@@ -20209,9 +21549,91 @@
   <p:timing>
     <p:tnLst>
       <p:par>
-        <p:cTn id="1" dur="indefinite" restart="never" nodeType="tmRoot"/>
+        <p:cTn id="1" dur="indefinite" restart="never" nodeType="tmRoot">
+          <p:childTnLst>
+            <p:seq concurrent="1" nextAc="seek">
+              <p:cTn id="2" dur="indefinite" nodeType="mainSeq">
+                <p:childTnLst>
+                  <p:par>
+                    <p:cTn id="3" fill="hold">
+                      <p:stCondLst>
+                        <p:cond delay="indefinite"/>
+                        <p:cond evt="onBegin" delay="0">
+                          <p:tn val="2"/>
+                        </p:cond>
+                      </p:stCondLst>
+                      <p:childTnLst>
+                        <p:par>
+                          <p:cTn id="4" fill="hold">
+                            <p:stCondLst>
+                              <p:cond delay="0"/>
+                            </p:stCondLst>
+                            <p:childTnLst>
+                              <p:par>
+                                <p:cTn id="5" presetID="10" presetClass="entr" presetSubtype="0" fill="hold" grpId="0" nodeType="withEffect">
+                                  <p:stCondLst>
+                                    <p:cond delay="0"/>
+                                  </p:stCondLst>
+                                  <p:childTnLst>
+                                    <p:set>
+                                      <p:cBhvr>
+                                        <p:cTn id="6" dur="1" fill="hold">
+                                          <p:stCondLst>
+                                            <p:cond delay="0"/>
+                                          </p:stCondLst>
+                                        </p:cTn>
+                                        <p:tgtEl>
+                                          <p:spTgt spid="10"/>
+                                        </p:tgtEl>
+                                        <p:attrNameLst>
+                                          <p:attrName>style.visibility</p:attrName>
+                                        </p:attrNameLst>
+                                      </p:cBhvr>
+                                      <p:to>
+                                        <p:strVal val="visible"/>
+                                      </p:to>
+                                    </p:set>
+                                    <p:animEffect transition="in" filter="fade">
+                                      <p:cBhvr>
+                                        <p:cTn id="7" dur="500"/>
+                                        <p:tgtEl>
+                                          <p:spTgt spid="10"/>
+                                        </p:tgtEl>
+                                      </p:cBhvr>
+                                    </p:animEffect>
+                                  </p:childTnLst>
+                                </p:cTn>
+                              </p:par>
+                            </p:childTnLst>
+                          </p:cTn>
+                        </p:par>
+                      </p:childTnLst>
+                    </p:cTn>
+                  </p:par>
+                </p:childTnLst>
+              </p:cTn>
+              <p:prevCondLst>
+                <p:cond evt="onPrev" delay="0">
+                  <p:tgtEl>
+                    <p:sldTgt/>
+                  </p:tgtEl>
+                </p:cond>
+              </p:prevCondLst>
+              <p:nextCondLst>
+                <p:cond evt="onNext" delay="0">
+                  <p:tgtEl>
+                    <p:sldTgt/>
+                  </p:tgtEl>
+                </p:cond>
+              </p:nextCondLst>
+            </p:seq>
+          </p:childTnLst>
+        </p:cTn>
       </p:par>
     </p:tnLst>
+    <p:bldLst>
+      <p:bldP spid="10" grpId="0"/>
+    </p:bldLst>
   </p:timing>
 </p:sld>
 </file>
@@ -20279,7 +21701,7 @@
         </p:nvSpPr>
         <p:spPr>
           <a:xfrm>
-            <a:off x="651413" y="1371600"/>
+            <a:off x="643462" y="1085353"/>
             <a:ext cx="5555250" cy="2509838"/>
           </a:xfrm>
           <a:prstGeom prst="rect">
@@ -20294,50 +21716,29 @@
           <a:p>
             <a:pPr lvl="0"/>
             <a:r>
+              <a:rPr lang="pt-BR" dirty="0"/>
+              <a:t>Next utiliza um servidor </a:t>
+            </a:r>
+            <a:r>
               <a:rPr lang="pt-BR" dirty="0" smtClean="0"/>
-              <a:t>Capacidade de </a:t>
+              <a:t>Node.js para </a:t>
             </a:r>
             <a:r>
               <a:rPr lang="pt-BR" dirty="0"/>
-              <a:t>entregar aplicativos de </a:t>
+              <a:t>entender </a:t>
+            </a:r>
+            <a:r>
+              <a:rPr lang="pt-BR" dirty="0" err="1"/>
+              <a:t>Javascript</a:t>
+            </a:r>
+            <a:r>
+              <a:rPr lang="pt-BR" dirty="0"/>
+              <a:t> </a:t>
             </a:r>
             <a:r>
               <a:rPr lang="pt-BR" dirty="0" smtClean="0"/>
-              <a:t>alto desempenho. </a:t>
+              <a:t>nativamente.</a:t>
             </a:r>
-          </a:p>
-          <a:p>
-            <a:pPr lvl="0"/>
-            <a:r>
-              <a:rPr lang="pt-BR" dirty="0"/>
-              <a:t>Processo de desenvolvimento </a:t>
-            </a:r>
-            <a:r>
-              <a:rPr lang="pt-BR" dirty="0" smtClean="0"/>
-              <a:t>aprimorado.</a:t>
-            </a:r>
-          </a:p>
-          <a:p>
-            <a:pPr lvl="0"/>
-            <a:r>
-              <a:rPr lang="pt-BR" dirty="0"/>
-              <a:t>Desempenho aprimorado, gerando aplicativos mais </a:t>
-            </a:r>
-            <a:r>
-              <a:rPr lang="pt-BR" dirty="0" smtClean="0"/>
-              <a:t>rápidos.</a:t>
-            </a:r>
-          </a:p>
-          <a:p>
-            <a:r>
-              <a:rPr lang="pt-BR" dirty="0"/>
-              <a:t>Aplicativos mais indexáveis e amigáveis para </a:t>
-            </a:r>
-            <a:r>
-              <a:rPr lang="pt-BR" dirty="0" smtClean="0"/>
-              <a:t>SEO.</a:t>
-            </a:r>
-            <a:endParaRPr lang="pt-BR" dirty="0"/>
           </a:p>
           <a:p>
             <a:pPr lvl="0"/>
@@ -20357,7 +21758,7 @@
         </p:nvSpPr>
         <p:spPr>
           <a:xfrm>
-            <a:off x="3223238" y="4205326"/>
+            <a:off x="3231189" y="4848300"/>
             <a:ext cx="411525" cy="295200"/>
           </a:xfrm>
           <a:prstGeom prst="rect">
@@ -20379,6 +21780,45 @@
           </a:p>
         </p:txBody>
       </p:sp>
+      <p:pic>
+        <p:nvPicPr>
+          <p:cNvPr id="1026" name="Picture 2" descr="F:\IFSP\4 SEM\DW2A4\Tecnologia Javacript\fluxo-requisicao-next-js.png"/>
+          <p:cNvPicPr>
+            <a:picLocks noChangeAspect="1" noChangeArrowheads="1"/>
+          </p:cNvPicPr>
+          <p:nvPr/>
+        </p:nvPicPr>
+        <p:blipFill rotWithShape="1">
+          <a:blip r:embed="rId3">
+            <a:extLst>
+              <a:ext uri="{28A0092B-C50C-407E-A947-70E740481C1C}">
+                <a14:useLocalDpi xmlns:a14="http://schemas.microsoft.com/office/drawing/2010/main" val="0"/>
+              </a:ext>
+            </a:extLst>
+          </a:blip>
+          <a:srcRect b="8329"/>
+          <a:stretch/>
+        </p:blipFill>
+        <p:spPr bwMode="auto">
+          <a:xfrm>
+            <a:off x="1112412" y="2025733"/>
+            <a:ext cx="4636382" cy="2768904"/>
+          </a:xfrm>
+          <a:prstGeom prst="rect">
+            <a:avLst/>
+          </a:prstGeom>
+          <a:noFill/>
+          <a:extLst>
+            <a:ext uri="{909E8E84-426E-40DD-AFC4-6F175D3DCCD1}">
+              <a14:hiddenFill xmlns:a14="http://schemas.microsoft.com/office/drawing/2010/main">
+                <a:solidFill>
+                  <a:srgbClr val="FFFFFF"/>
+                </a:solidFill>
+              </a14:hiddenFill>
+            </a:ext>
+          </a:extLst>
+        </p:spPr>
+      </p:pic>
     </p:spTree>
     <p:extLst>
       <p:ext uri="{BB962C8B-B14F-4D97-AF65-F5344CB8AC3E}">
@@ -20477,7 +21917,7 @@
                             </p:stCondLst>
                             <p:childTnLst>
                               <p:par>
-                                <p:cTn id="10" presetID="10" presetClass="entr" presetSubtype="0" fill="hold" grpId="0" nodeType="clickEffect">
+                                <p:cTn id="10" presetID="10" presetClass="entr" presetSubtype="0" fill="hold" nodeType="clickEffect">
                                   <p:stCondLst>
                                     <p:cond delay="0"/>
                                   </p:stCondLst>
@@ -20490,11 +21930,7 @@
                                           </p:stCondLst>
                                         </p:cTn>
                                         <p:tgtEl>
-                                          <p:spTgt spid="243">
-                                            <p:txEl>
-                                              <p:pRg st="1" end="1"/>
-                                            </p:txEl>
-                                          </p:spTgt>
+                                          <p:spTgt spid="1026"/>
                                         </p:tgtEl>
                                         <p:attrNameLst>
                                           <p:attrName>style.visibility</p:attrName>
@@ -20508,133 +21944,7 @@
                                       <p:cBhvr>
                                         <p:cTn id="12" dur="500"/>
                                         <p:tgtEl>
-                                          <p:spTgt spid="243">
-                                            <p:txEl>
-                                              <p:pRg st="1" end="1"/>
-                                            </p:txEl>
-                                          </p:spTgt>
-                                        </p:tgtEl>
-                                      </p:cBhvr>
-                                    </p:animEffect>
-                                  </p:childTnLst>
-                                </p:cTn>
-                              </p:par>
-                            </p:childTnLst>
-                          </p:cTn>
-                        </p:par>
-                      </p:childTnLst>
-                    </p:cTn>
-                  </p:par>
-                  <p:par>
-                    <p:cTn id="13" fill="hold">
-                      <p:stCondLst>
-                        <p:cond delay="indefinite"/>
-                      </p:stCondLst>
-                      <p:childTnLst>
-                        <p:par>
-                          <p:cTn id="14" fill="hold">
-                            <p:stCondLst>
-                              <p:cond delay="0"/>
-                            </p:stCondLst>
-                            <p:childTnLst>
-                              <p:par>
-                                <p:cTn id="15" presetID="10" presetClass="entr" presetSubtype="0" fill="hold" grpId="0" nodeType="clickEffect">
-                                  <p:stCondLst>
-                                    <p:cond delay="0"/>
-                                  </p:stCondLst>
-                                  <p:childTnLst>
-                                    <p:set>
-                                      <p:cBhvr>
-                                        <p:cTn id="16" dur="1" fill="hold">
-                                          <p:stCondLst>
-                                            <p:cond delay="0"/>
-                                          </p:stCondLst>
-                                        </p:cTn>
-                                        <p:tgtEl>
-                                          <p:spTgt spid="243">
-                                            <p:txEl>
-                                              <p:pRg st="2" end="2"/>
-                                            </p:txEl>
-                                          </p:spTgt>
-                                        </p:tgtEl>
-                                        <p:attrNameLst>
-                                          <p:attrName>style.visibility</p:attrName>
-                                        </p:attrNameLst>
-                                      </p:cBhvr>
-                                      <p:to>
-                                        <p:strVal val="visible"/>
-                                      </p:to>
-                                    </p:set>
-                                    <p:animEffect transition="in" filter="fade">
-                                      <p:cBhvr>
-                                        <p:cTn id="17" dur="500"/>
-                                        <p:tgtEl>
-                                          <p:spTgt spid="243">
-                                            <p:txEl>
-                                              <p:pRg st="2" end="2"/>
-                                            </p:txEl>
-                                          </p:spTgt>
-                                        </p:tgtEl>
-                                      </p:cBhvr>
-                                    </p:animEffect>
-                                  </p:childTnLst>
-                                </p:cTn>
-                              </p:par>
-                            </p:childTnLst>
-                          </p:cTn>
-                        </p:par>
-                      </p:childTnLst>
-                    </p:cTn>
-                  </p:par>
-                  <p:par>
-                    <p:cTn id="18" fill="hold">
-                      <p:stCondLst>
-                        <p:cond delay="indefinite"/>
-                      </p:stCondLst>
-                      <p:childTnLst>
-                        <p:par>
-                          <p:cTn id="19" fill="hold">
-                            <p:stCondLst>
-                              <p:cond delay="0"/>
-                            </p:stCondLst>
-                            <p:childTnLst>
-                              <p:par>
-                                <p:cTn id="20" presetID="10" presetClass="entr" presetSubtype="0" fill="hold" grpId="0" nodeType="clickEffect">
-                                  <p:stCondLst>
-                                    <p:cond delay="0"/>
-                                  </p:stCondLst>
-                                  <p:childTnLst>
-                                    <p:set>
-                                      <p:cBhvr>
-                                        <p:cTn id="21" dur="1" fill="hold">
-                                          <p:stCondLst>
-                                            <p:cond delay="0"/>
-                                          </p:stCondLst>
-                                        </p:cTn>
-                                        <p:tgtEl>
-                                          <p:spTgt spid="243">
-                                            <p:txEl>
-                                              <p:pRg st="3" end="3"/>
-                                            </p:txEl>
-                                          </p:spTgt>
-                                        </p:tgtEl>
-                                        <p:attrNameLst>
-                                          <p:attrName>style.visibility</p:attrName>
-                                        </p:attrNameLst>
-                                      </p:cBhvr>
-                                      <p:to>
-                                        <p:strVal val="visible"/>
-                                      </p:to>
-                                    </p:set>
-                                    <p:animEffect transition="in" filter="fade">
-                                      <p:cBhvr>
-                                        <p:cTn id="22" dur="500"/>
-                                        <p:tgtEl>
-                                          <p:spTgt spid="243">
-                                            <p:txEl>
-                                              <p:pRg st="3" end="3"/>
-                                            </p:txEl>
-                                          </p:spTgt>
+                                          <p:spTgt spid="1026"/>
                                         </p:tgtEl>
                                       </p:cBhvr>
                                     </p:animEffect>
@@ -20997,9 +22307,91 @@
   <p:timing>
     <p:tnLst>
       <p:par>
-        <p:cTn id="1" dur="indefinite" restart="never" nodeType="tmRoot"/>
+        <p:cTn id="1" dur="indefinite" restart="never" nodeType="tmRoot">
+          <p:childTnLst>
+            <p:seq concurrent="1" nextAc="seek">
+              <p:cTn id="2" dur="indefinite" nodeType="mainSeq">
+                <p:childTnLst>
+                  <p:par>
+                    <p:cTn id="3" fill="hold">
+                      <p:stCondLst>
+                        <p:cond delay="indefinite"/>
+                        <p:cond evt="onBegin" delay="0">
+                          <p:tn val="2"/>
+                        </p:cond>
+                      </p:stCondLst>
+                      <p:childTnLst>
+                        <p:par>
+                          <p:cTn id="4" fill="hold">
+                            <p:stCondLst>
+                              <p:cond delay="0"/>
+                            </p:stCondLst>
+                            <p:childTnLst>
+                              <p:par>
+                                <p:cTn id="5" presetID="10" presetClass="entr" presetSubtype="0" fill="hold" grpId="0" nodeType="withEffect">
+                                  <p:stCondLst>
+                                    <p:cond delay="0"/>
+                                  </p:stCondLst>
+                                  <p:childTnLst>
+                                    <p:set>
+                                      <p:cBhvr>
+                                        <p:cTn id="6" dur="1" fill="hold">
+                                          <p:stCondLst>
+                                            <p:cond delay="0"/>
+                                          </p:stCondLst>
+                                        </p:cTn>
+                                        <p:tgtEl>
+                                          <p:spTgt spid="10"/>
+                                        </p:tgtEl>
+                                        <p:attrNameLst>
+                                          <p:attrName>style.visibility</p:attrName>
+                                        </p:attrNameLst>
+                                      </p:cBhvr>
+                                      <p:to>
+                                        <p:strVal val="visible"/>
+                                      </p:to>
+                                    </p:set>
+                                    <p:animEffect transition="in" filter="fade">
+                                      <p:cBhvr>
+                                        <p:cTn id="7" dur="500"/>
+                                        <p:tgtEl>
+                                          <p:spTgt spid="10"/>
+                                        </p:tgtEl>
+                                      </p:cBhvr>
+                                    </p:animEffect>
+                                  </p:childTnLst>
+                                </p:cTn>
+                              </p:par>
+                            </p:childTnLst>
+                          </p:cTn>
+                        </p:par>
+                      </p:childTnLst>
+                    </p:cTn>
+                  </p:par>
+                </p:childTnLst>
+              </p:cTn>
+              <p:prevCondLst>
+                <p:cond evt="onPrev" delay="0">
+                  <p:tgtEl>
+                    <p:sldTgt/>
+                  </p:tgtEl>
+                </p:cond>
+              </p:prevCondLst>
+              <p:nextCondLst>
+                <p:cond evt="onNext" delay="0">
+                  <p:tgtEl>
+                    <p:sldTgt/>
+                  </p:tgtEl>
+                </p:cond>
+              </p:nextCondLst>
+            </p:seq>
+          </p:childTnLst>
+        </p:cTn>
       </p:par>
     </p:tnLst>
+    <p:bldLst>
+      <p:bldP spid="10" grpId="0"/>
+    </p:bldLst>
   </p:timing>
 </p:sld>
 </file>
@@ -21033,7 +22425,7 @@
         </p:nvSpPr>
         <p:spPr>
           <a:xfrm>
-            <a:off x="1190062" y="173906"/>
+            <a:off x="1176415" y="10131"/>
             <a:ext cx="4477875" cy="1102444"/>
           </a:xfrm>
           <a:prstGeom prst="rect">
@@ -21169,7 +22561,7 @@
         </p:nvSpPr>
         <p:spPr>
           <a:xfrm>
-            <a:off x="3223238" y="4205326"/>
+            <a:off x="3223238" y="4848300"/>
             <a:ext cx="411525" cy="295200"/>
           </a:xfrm>
           <a:prstGeom prst="rect">

--- a/Tecnologia Javascript/NextJs.pptx
+++ b/Tecnologia Javascript/NextJs.pptx
@@ -14312,7 +14312,7 @@
                             </p:stCondLst>
                             <p:childTnLst>
                               <p:par>
-                                <p:cTn id="15" presetID="10" presetClass="entr" presetSubtype="0" fill="hold" nodeType="clickEffect">
+                                <p:cTn id="15" presetID="10" presetClass="entr" presetSubtype="0" fill="hold" grpId="0" nodeType="clickEffect">
                                   <p:stCondLst>
                                     <p:cond delay="0"/>
                                   </p:stCondLst>
@@ -14325,7 +14325,7 @@
                                           </p:stCondLst>
                                         </p:cTn>
                                         <p:tgtEl>
-                                          <p:spTgt spid="7"/>
+                                          <p:spTgt spid="2"/>
                                         </p:tgtEl>
                                         <p:attrNameLst>
                                           <p:attrName>style.visibility</p:attrName>
@@ -14339,7 +14339,7 @@
                                       <p:cBhvr>
                                         <p:cTn id="17" dur="500"/>
                                         <p:tgtEl>
-                                          <p:spTgt spid="7"/>
+                                          <p:spTgt spid="2"/>
                                         </p:tgtEl>
                                       </p:cBhvr>
                                     </p:animEffect>
@@ -14365,7 +14365,7 @@
                             </p:stCondLst>
                             <p:childTnLst>
                               <p:par>
-                                <p:cTn id="20" presetID="10" presetClass="entr" presetSubtype="0" fill="hold" grpId="0" nodeType="clickEffect">
+                                <p:cTn id="20" presetID="10" presetClass="entr" presetSubtype="0" fill="hold" nodeType="clickEffect">
                                   <p:stCondLst>
                                     <p:cond delay="0"/>
                                   </p:stCondLst>
@@ -14378,7 +14378,7 @@
                                           </p:stCondLst>
                                         </p:cTn>
                                         <p:tgtEl>
-                                          <p:spTgt spid="2"/>
+                                          <p:spTgt spid="7"/>
                                         </p:tgtEl>
                                         <p:attrNameLst>
                                           <p:attrName>style.visibility</p:attrName>
@@ -14392,7 +14392,7 @@
                                       <p:cBhvr>
                                         <p:cTn id="22" dur="500"/>
                                         <p:tgtEl>
-                                          <p:spTgt spid="2"/>
+                                          <p:spTgt spid="7"/>
                                         </p:tgtEl>
                                       </p:cBhvr>
                                     </p:animEffect>
